--- a/event_update.pptx
+++ b/event_update.pptx
@@ -7,11 +7,19 @@
   <p:sldIdLst>
     <p:sldId id="256" r:id="rId2"/>
     <p:sldId id="257" r:id="rId3"/>
-    <p:sldId id="270" r:id="rId4"/>
-    <p:sldId id="271" r:id="rId5"/>
-    <p:sldId id="272" r:id="rId6"/>
-    <p:sldId id="273" r:id="rId7"/>
-    <p:sldId id="269" r:id="rId8"/>
+    <p:sldId id="282" r:id="rId4"/>
+    <p:sldId id="280" r:id="rId5"/>
+    <p:sldId id="270" r:id="rId6"/>
+    <p:sldId id="271" r:id="rId7"/>
+    <p:sldId id="272" r:id="rId8"/>
+    <p:sldId id="273" r:id="rId9"/>
+    <p:sldId id="274" r:id="rId10"/>
+    <p:sldId id="277" r:id="rId11"/>
+    <p:sldId id="279" r:id="rId12"/>
+    <p:sldId id="278" r:id="rId13"/>
+    <p:sldId id="276" r:id="rId14"/>
+    <p:sldId id="269" r:id="rId15"/>
+    <p:sldId id="281" r:id="rId16"/>
   </p:sldIdLst>
   <p:sldSz cx="12192000" cy="6858000"/>
   <p:notesSz cx="6858000" cy="9144000"/>
@@ -5942,6 +5950,801 @@
 </p:sld>
 </file>
 
+<file path=ppt/slides/slide10.xml><?xml version="1.0" encoding="utf-8"?>
+<p:sld xmlns:a="http://schemas.openxmlformats.org/drawingml/2006/main" xmlns:r="http://schemas.openxmlformats.org/officeDocument/2006/relationships" xmlns:p="http://schemas.openxmlformats.org/presentationml/2006/main">
+  <p:cSld>
+    <p:spTree>
+      <p:nvGrpSpPr>
+        <p:cNvPr id="1" name=""/>
+        <p:cNvGrpSpPr/>
+        <p:nvPr/>
+      </p:nvGrpSpPr>
+      <p:grpSpPr>
+        <a:xfrm>
+          <a:off x="0" y="0"/>
+          <a:ext cx="0" cy="0"/>
+          <a:chOff x="0" y="0"/>
+          <a:chExt cx="0" cy="0"/>
+        </a:xfrm>
+      </p:grpSpPr>
+      <p:pic>
+        <p:nvPicPr>
+          <p:cNvPr id="4" name="Content Placeholder 3" descr="Modern Web Development - Full stack comic">
+            <a:extLst>
+              <a:ext uri="{FF2B5EF4-FFF2-40B4-BE49-F238E27FC236}">
+                <a16:creationId xmlns:a16="http://schemas.microsoft.com/office/drawing/2014/main" id="{F8989F1C-EC5A-497A-8D8B-C19F565BF189}"/>
+              </a:ext>
+            </a:extLst>
+          </p:cNvPr>
+          <p:cNvPicPr>
+            <a:picLocks noGrp="1"/>
+          </p:cNvPicPr>
+          <p:nvPr>
+            <p:ph idx="1"/>
+          </p:nvPr>
+        </p:nvPicPr>
+        <p:blipFill>
+          <a:blip r:embed="rId2">
+            <a:extLst>
+              <a:ext uri="{28A0092B-C50C-407E-A947-70E740481C1C}">
+                <a14:useLocalDpi xmlns:a14="http://schemas.microsoft.com/office/drawing/2010/main" val="0"/>
+              </a:ext>
+            </a:extLst>
+          </a:blip>
+          <a:srcRect/>
+          <a:stretch>
+            <a:fillRect/>
+          </a:stretch>
+        </p:blipFill>
+        <p:spPr bwMode="auto">
+          <a:xfrm>
+            <a:off x="0" y="0"/>
+            <a:ext cx="12192000" cy="6858000"/>
+          </a:xfrm>
+          <a:prstGeom prst="rect">
+            <a:avLst/>
+          </a:prstGeom>
+          <a:noFill/>
+          <a:ln>
+            <a:noFill/>
+          </a:ln>
+        </p:spPr>
+      </p:pic>
+    </p:spTree>
+    <p:extLst>
+      <p:ext uri="{BB962C8B-B14F-4D97-AF65-F5344CB8AC3E}">
+        <p14:creationId xmlns:p14="http://schemas.microsoft.com/office/powerpoint/2010/main" val="305358935"/>
+      </p:ext>
+    </p:extLst>
+  </p:cSld>
+  <p:clrMapOvr>
+    <a:masterClrMapping/>
+  </p:clrMapOvr>
+</p:sld>
+</file>
+
+<file path=ppt/slides/slide11.xml><?xml version="1.0" encoding="utf-8"?>
+<p:sld xmlns:a="http://schemas.openxmlformats.org/drawingml/2006/main" xmlns:r="http://schemas.openxmlformats.org/officeDocument/2006/relationships" xmlns:p="http://schemas.openxmlformats.org/presentationml/2006/main">
+  <p:cSld>
+    <p:spTree>
+      <p:nvGrpSpPr>
+        <p:cNvPr id="1" name=""/>
+        <p:cNvGrpSpPr/>
+        <p:nvPr/>
+      </p:nvGrpSpPr>
+      <p:grpSpPr>
+        <a:xfrm>
+          <a:off x="0" y="0"/>
+          <a:ext cx="0" cy="0"/>
+          <a:chOff x="0" y="0"/>
+          <a:chExt cx="0" cy="0"/>
+        </a:xfrm>
+      </p:grpSpPr>
+      <p:pic>
+        <p:nvPicPr>
+          <p:cNvPr id="5126" name="Picture 6" descr="Network and internet communication concept isolated on white background">
+            <a:extLst>
+              <a:ext uri="{FF2B5EF4-FFF2-40B4-BE49-F238E27FC236}">
+                <a16:creationId xmlns:a16="http://schemas.microsoft.com/office/drawing/2014/main" id="{A3058872-8C74-4045-B3DB-F2B54E191758}"/>
+              </a:ext>
+            </a:extLst>
+          </p:cNvPr>
+          <p:cNvPicPr>
+            <a:picLocks noChangeAspect="1" noChangeArrowheads="1"/>
+          </p:cNvPicPr>
+          <p:nvPr/>
+        </p:nvPicPr>
+        <p:blipFill>
+          <a:blip r:embed="rId2">
+            <a:extLst>
+              <a:ext uri="{28A0092B-C50C-407E-A947-70E740481C1C}">
+                <a14:useLocalDpi xmlns:a14="http://schemas.microsoft.com/office/drawing/2010/main" val="0"/>
+              </a:ext>
+            </a:extLst>
+          </a:blip>
+          <a:srcRect/>
+          <a:stretch>
+            <a:fillRect/>
+          </a:stretch>
+        </p:blipFill>
+        <p:spPr bwMode="auto">
+          <a:xfrm>
+            <a:off x="0" y="0"/>
+            <a:ext cx="12192000" cy="6858000"/>
+          </a:xfrm>
+          <a:prstGeom prst="rect">
+            <a:avLst/>
+          </a:prstGeom>
+          <a:noFill/>
+          <a:extLst>
+            <a:ext uri="{909E8E84-426E-40DD-AFC4-6F175D3DCCD1}">
+              <a14:hiddenFill xmlns:a14="http://schemas.microsoft.com/office/drawing/2010/main">
+                <a:solidFill>
+                  <a:srgbClr val="FFFFFF"/>
+                </a:solidFill>
+              </a14:hiddenFill>
+            </a:ext>
+          </a:extLst>
+        </p:spPr>
+      </p:pic>
+    </p:spTree>
+    <p:extLst>
+      <p:ext uri="{BB962C8B-B14F-4D97-AF65-F5344CB8AC3E}">
+        <p14:creationId xmlns:p14="http://schemas.microsoft.com/office/powerpoint/2010/main" val="2285376846"/>
+      </p:ext>
+    </p:extLst>
+  </p:cSld>
+  <p:clrMapOvr>
+    <a:masterClrMapping/>
+  </p:clrMapOvr>
+</p:sld>
+</file>
+
+<file path=ppt/slides/slide12.xml><?xml version="1.0" encoding="utf-8"?>
+<p:sld xmlns:a="http://schemas.openxmlformats.org/drawingml/2006/main" xmlns:r="http://schemas.openxmlformats.org/officeDocument/2006/relationships" xmlns:p="http://schemas.openxmlformats.org/presentationml/2006/main">
+  <p:cSld>
+    <p:spTree>
+      <p:nvGrpSpPr>
+        <p:cNvPr id="1" name=""/>
+        <p:cNvGrpSpPr/>
+        <p:nvPr/>
+      </p:nvGrpSpPr>
+      <p:grpSpPr>
+        <a:xfrm>
+          <a:off x="0" y="0"/>
+          <a:ext cx="0" cy="0"/>
+          <a:chOff x="0" y="0"/>
+          <a:chExt cx="0" cy="0"/>
+        </a:xfrm>
+      </p:grpSpPr>
+      <p:pic>
+        <p:nvPicPr>
+          <p:cNvPr id="2050" name="Picture 2" descr="Front End vs. Back End Development | Flatiron School">
+            <a:extLst>
+              <a:ext uri="{FF2B5EF4-FFF2-40B4-BE49-F238E27FC236}">
+                <a16:creationId xmlns:a16="http://schemas.microsoft.com/office/drawing/2014/main" id="{C0051B51-AA12-47BA-A015-C95DE5A044FD}"/>
+              </a:ext>
+            </a:extLst>
+          </p:cNvPr>
+          <p:cNvPicPr>
+            <a:picLocks noGrp="1" noChangeAspect="1" noChangeArrowheads="1"/>
+          </p:cNvPicPr>
+          <p:nvPr>
+            <p:ph idx="1"/>
+          </p:nvPr>
+        </p:nvPicPr>
+        <p:blipFill>
+          <a:blip r:embed="rId2">
+            <a:extLst>
+              <a:ext uri="{28A0092B-C50C-407E-A947-70E740481C1C}">
+                <a14:useLocalDpi xmlns:a14="http://schemas.microsoft.com/office/drawing/2010/main" val="0"/>
+              </a:ext>
+            </a:extLst>
+          </a:blip>
+          <a:srcRect/>
+          <a:stretch>
+            <a:fillRect/>
+          </a:stretch>
+        </p:blipFill>
+        <p:spPr bwMode="auto">
+          <a:xfrm>
+            <a:off x="0" y="-1"/>
+            <a:ext cx="12192000" cy="6886575"/>
+          </a:xfrm>
+          <a:prstGeom prst="rect">
+            <a:avLst/>
+          </a:prstGeom>
+          <a:noFill/>
+          <a:extLst>
+            <a:ext uri="{909E8E84-426E-40DD-AFC4-6F175D3DCCD1}">
+              <a14:hiddenFill xmlns:a14="http://schemas.microsoft.com/office/drawing/2010/main">
+                <a:solidFill>
+                  <a:srgbClr val="FFFFFF"/>
+                </a:solidFill>
+              </a14:hiddenFill>
+            </a:ext>
+          </a:extLst>
+        </p:spPr>
+      </p:pic>
+    </p:spTree>
+    <p:extLst>
+      <p:ext uri="{BB962C8B-B14F-4D97-AF65-F5344CB8AC3E}">
+        <p14:creationId xmlns:p14="http://schemas.microsoft.com/office/powerpoint/2010/main" val="2461472190"/>
+      </p:ext>
+    </p:extLst>
+  </p:cSld>
+  <p:clrMapOvr>
+    <a:masterClrMapping/>
+  </p:clrMapOvr>
+</p:sld>
+</file>
+
+<file path=ppt/slides/slide13.xml><?xml version="1.0" encoding="utf-8"?>
+<p:sld xmlns:a="http://schemas.openxmlformats.org/drawingml/2006/main" xmlns:r="http://schemas.openxmlformats.org/officeDocument/2006/relationships" xmlns:p="http://schemas.openxmlformats.org/presentationml/2006/main">
+  <p:cSld>
+    <p:spTree>
+      <p:nvGrpSpPr>
+        <p:cNvPr id="1" name=""/>
+        <p:cNvGrpSpPr/>
+        <p:nvPr/>
+      </p:nvGrpSpPr>
+      <p:grpSpPr>
+        <a:xfrm>
+          <a:off x="0" y="0"/>
+          <a:ext cx="0" cy="0"/>
+          <a:chOff x="0" y="0"/>
+          <a:chExt cx="0" cy="0"/>
+        </a:xfrm>
+      </p:grpSpPr>
+      <p:sp>
+        <p:nvSpPr>
+          <p:cNvPr id="2" name="Title 1">
+            <a:extLst>
+              <a:ext uri="{FF2B5EF4-FFF2-40B4-BE49-F238E27FC236}">
+                <a16:creationId xmlns:a16="http://schemas.microsoft.com/office/drawing/2014/main" id="{61A39B72-AF8B-48BA-AE02-9BA77CDC487E}"/>
+              </a:ext>
+            </a:extLst>
+          </p:cNvPr>
+          <p:cNvSpPr>
+            <a:spLocks noGrp="1"/>
+          </p:cNvSpPr>
+          <p:nvPr>
+            <p:ph type="title"/>
+          </p:nvPr>
+        </p:nvSpPr>
+        <p:spPr>
+          <a:xfrm>
+            <a:off x="1797666" y="2758440"/>
+            <a:ext cx="8596668" cy="670560"/>
+          </a:xfrm>
+        </p:spPr>
+        <p:txBody>
+          <a:bodyPr/>
+          <a:lstStyle/>
+          <a:p>
+            <a:pPr algn="ctr"/>
+            <a:r>
+              <a:rPr lang="en-US" dirty="0">
+                <a:solidFill>
+                  <a:schemeClr val="accent2"/>
+                </a:solidFill>
+              </a:rPr>
+              <a:t>The Designers</a:t>
+            </a:r>
+          </a:p>
+        </p:txBody>
+      </p:sp>
+      <p:sp>
+        <p:nvSpPr>
+          <p:cNvPr id="3" name="Content Placeholder 2">
+            <a:extLst>
+              <a:ext uri="{FF2B5EF4-FFF2-40B4-BE49-F238E27FC236}">
+                <a16:creationId xmlns:a16="http://schemas.microsoft.com/office/drawing/2014/main" id="{EEF5D13A-C591-410B-8B07-B919691C636C}"/>
+              </a:ext>
+            </a:extLst>
+          </p:cNvPr>
+          <p:cNvSpPr>
+            <a:spLocks noGrp="1"/>
+          </p:cNvSpPr>
+          <p:nvPr>
+            <p:ph idx="1"/>
+          </p:nvPr>
+        </p:nvSpPr>
+        <p:spPr>
+          <a:xfrm>
+            <a:off x="3813579" y="3429000"/>
+            <a:ext cx="4564842" cy="670560"/>
+          </a:xfrm>
+        </p:spPr>
+        <p:txBody>
+          <a:bodyPr>
+            <a:normAutofit/>
+          </a:bodyPr>
+          <a:lstStyle/>
+          <a:p>
+            <a:pPr algn="r" rtl="1"/>
+            <a:r>
+              <a:rPr lang="ar-EG" sz="2800" b="1" dirty="0"/>
+              <a:t>مين هم و بيعملو ايه ؟؟</a:t>
+            </a:r>
+            <a:endParaRPr lang="en-US" sz="2800" b="1" dirty="0"/>
+          </a:p>
+        </p:txBody>
+      </p:sp>
+    </p:spTree>
+    <p:extLst>
+      <p:ext uri="{BB962C8B-B14F-4D97-AF65-F5344CB8AC3E}">
+        <p14:creationId xmlns:p14="http://schemas.microsoft.com/office/powerpoint/2010/main" val="3300524345"/>
+      </p:ext>
+    </p:extLst>
+  </p:cSld>
+  <p:clrMapOvr>
+    <a:masterClrMapping/>
+  </p:clrMapOvr>
+</p:sld>
+</file>
+
+<file path=ppt/slides/slide14.xml><?xml version="1.0" encoding="utf-8"?>
+<p:sld xmlns:a="http://schemas.openxmlformats.org/drawingml/2006/main" xmlns:r="http://schemas.openxmlformats.org/officeDocument/2006/relationships" xmlns:p="http://schemas.openxmlformats.org/presentationml/2006/main">
+  <p:cSld>
+    <p:spTree>
+      <p:nvGrpSpPr>
+        <p:cNvPr id="1" name=""/>
+        <p:cNvGrpSpPr/>
+        <p:nvPr/>
+      </p:nvGrpSpPr>
+      <p:grpSpPr>
+        <a:xfrm>
+          <a:off x="0" y="0"/>
+          <a:ext cx="0" cy="0"/>
+          <a:chOff x="0" y="0"/>
+          <a:chExt cx="0" cy="0"/>
+        </a:xfrm>
+      </p:grpSpPr>
+      <p:sp>
+        <p:nvSpPr>
+          <p:cNvPr id="2" name="Title 1">
+            <a:extLst>
+              <a:ext uri="{FF2B5EF4-FFF2-40B4-BE49-F238E27FC236}">
+                <a16:creationId xmlns:a16="http://schemas.microsoft.com/office/drawing/2014/main" id="{12BCCE3A-5785-426C-AB32-3F601A2B2699}"/>
+              </a:ext>
+            </a:extLst>
+          </p:cNvPr>
+          <p:cNvSpPr>
+            <a:spLocks noGrp="1"/>
+          </p:cNvSpPr>
+          <p:nvPr>
+            <p:ph type="title"/>
+          </p:nvPr>
+        </p:nvSpPr>
+        <p:spPr/>
+        <p:txBody>
+          <a:bodyPr>
+            <a:normAutofit/>
+          </a:bodyPr>
+          <a:lstStyle/>
+          <a:p>
+            <a:pPr algn="ctr"/>
+            <a:r>
+              <a:rPr lang="en-US" sz="4400" b="1" dirty="0">
+                <a:solidFill>
+                  <a:schemeClr val="accent2"/>
+                </a:solidFill>
+              </a:rPr>
+              <a:t>The End </a:t>
+            </a:r>
+          </a:p>
+        </p:txBody>
+      </p:sp>
+      <p:sp>
+        <p:nvSpPr>
+          <p:cNvPr id="3" name="Content Placeholder 2">
+            <a:extLst>
+              <a:ext uri="{FF2B5EF4-FFF2-40B4-BE49-F238E27FC236}">
+                <a16:creationId xmlns:a16="http://schemas.microsoft.com/office/drawing/2014/main" id="{27522415-B75C-4D09-A9BC-6177D210280C}"/>
+              </a:ext>
+            </a:extLst>
+          </p:cNvPr>
+          <p:cNvSpPr>
+            <a:spLocks noGrp="1"/>
+          </p:cNvSpPr>
+          <p:nvPr>
+            <p:ph idx="1"/>
+          </p:nvPr>
+        </p:nvSpPr>
+        <p:spPr>
+          <a:xfrm>
+            <a:off x="1028700" y="2160589"/>
+            <a:ext cx="8245302" cy="3880773"/>
+          </a:xfrm>
+        </p:spPr>
+        <p:txBody>
+          <a:bodyPr>
+            <a:normAutofit lnSpcReduction="10000"/>
+          </a:bodyPr>
+          <a:lstStyle/>
+          <a:p>
+            <a:pPr marL="0" marR="0" indent="0" algn="r" rtl="1">
+              <a:lnSpc>
+                <a:spcPct val="107000"/>
+              </a:lnSpc>
+              <a:spcBef>
+                <a:spcPts val="0"/>
+              </a:spcBef>
+              <a:spcAft>
+                <a:spcPts val="800"/>
+              </a:spcAft>
+              <a:buNone/>
+            </a:pPr>
+            <a:r>
+              <a:rPr lang="ar-EG" sz="2800" dirty="0" err="1">
+                <a:effectLst/>
+                <a:latin typeface="Tahoma" panose="020B0604030504040204" pitchFamily="34" charset="0"/>
+                <a:ea typeface="Tahoma" panose="020B0604030504040204" pitchFamily="34" charset="0"/>
+                <a:cs typeface="Tahoma" panose="020B0604030504040204" pitchFamily="34" charset="0"/>
+              </a:rPr>
+              <a:t>وبكدا</a:t>
+            </a:r>
+            <a:r>
+              <a:rPr lang="ar-EG" sz="2800" dirty="0">
+                <a:effectLst/>
+                <a:latin typeface="Tahoma" panose="020B0604030504040204" pitchFamily="34" charset="0"/>
+                <a:ea typeface="Tahoma" panose="020B0604030504040204" pitchFamily="34" charset="0"/>
+                <a:cs typeface="Tahoma" panose="020B0604030504040204" pitchFamily="34" charset="0"/>
+              </a:rPr>
+              <a:t> نكون خلصنا ليلة المصمم والمطور و الفرونت والباك وكل حاجة </a:t>
+            </a:r>
+            <a:r>
+              <a:rPr lang="en-US" sz="2800" dirty="0">
+                <a:latin typeface="Tahoma" panose="020B0604030504040204" pitchFamily="34" charset="0"/>
+                <a:ea typeface="Tahoma" panose="020B0604030504040204" pitchFamily="34" charset="0"/>
+                <a:cs typeface="Tahoma" panose="020B0604030504040204" pitchFamily="34" charset="0"/>
+              </a:rPr>
+              <a:t>.</a:t>
+            </a:r>
+            <a:endParaRPr lang="en-US" sz="2800" dirty="0">
+              <a:effectLst/>
+              <a:latin typeface="Tahoma" panose="020B0604030504040204" pitchFamily="34" charset="0"/>
+              <a:ea typeface="Tahoma" panose="020B0604030504040204" pitchFamily="34" charset="0"/>
+              <a:cs typeface="Tahoma" panose="020B0604030504040204" pitchFamily="34" charset="0"/>
+            </a:endParaRPr>
+          </a:p>
+          <a:p>
+            <a:pPr marL="0" marR="0" indent="0" algn="r" rtl="1">
+              <a:lnSpc>
+                <a:spcPct val="107000"/>
+              </a:lnSpc>
+              <a:spcBef>
+                <a:spcPts val="0"/>
+              </a:spcBef>
+              <a:spcAft>
+                <a:spcPts val="800"/>
+              </a:spcAft>
+              <a:buNone/>
+            </a:pPr>
+            <a:endParaRPr lang="en-US" sz="2800" dirty="0">
+              <a:effectLst/>
+              <a:latin typeface="Tahoma" panose="020B0604030504040204" pitchFamily="34" charset="0"/>
+              <a:ea typeface="Tahoma" panose="020B0604030504040204" pitchFamily="34" charset="0"/>
+              <a:cs typeface="Tahoma" panose="020B0604030504040204" pitchFamily="34" charset="0"/>
+            </a:endParaRPr>
+          </a:p>
+          <a:p>
+            <a:pPr marL="0" marR="0" indent="0" algn="r" rtl="1">
+              <a:lnSpc>
+                <a:spcPct val="107000"/>
+              </a:lnSpc>
+              <a:spcBef>
+                <a:spcPts val="0"/>
+              </a:spcBef>
+              <a:spcAft>
+                <a:spcPts val="800"/>
+              </a:spcAft>
+              <a:buNone/>
+            </a:pPr>
+            <a:r>
+              <a:rPr lang="ar-EG" sz="2800" dirty="0" err="1">
+                <a:effectLst/>
+                <a:latin typeface="Tahoma" panose="020B0604030504040204" pitchFamily="34" charset="0"/>
+                <a:ea typeface="Tahoma" panose="020B0604030504040204" pitchFamily="34" charset="0"/>
+                <a:cs typeface="Tahoma" panose="020B0604030504040204" pitchFamily="34" charset="0"/>
+              </a:rPr>
+              <a:t>هنتعلم</a:t>
+            </a:r>
+            <a:r>
+              <a:rPr lang="ar-EG" sz="2800" dirty="0">
+                <a:effectLst/>
+                <a:latin typeface="Tahoma" panose="020B0604030504040204" pitchFamily="34" charset="0"/>
+                <a:ea typeface="Tahoma" panose="020B0604030504040204" pitchFamily="34" charset="0"/>
+                <a:cs typeface="Tahoma" panose="020B0604030504040204" pitchFamily="34" charset="0"/>
+              </a:rPr>
+              <a:t> سوا </a:t>
+            </a:r>
+            <a:r>
+              <a:rPr lang="ar-EG" sz="2800" dirty="0" err="1">
+                <a:effectLst/>
+                <a:latin typeface="Tahoma" panose="020B0604030504040204" pitchFamily="34" charset="0"/>
+                <a:ea typeface="Tahoma" panose="020B0604030504040204" pitchFamily="34" charset="0"/>
+                <a:cs typeface="Tahoma" panose="020B0604030504040204" pitchFamily="34" charset="0"/>
+              </a:rPr>
+              <a:t>معايا</a:t>
+            </a:r>
+            <a:r>
+              <a:rPr lang="ar-EG" sz="2800" dirty="0">
+                <a:effectLst/>
+                <a:latin typeface="Tahoma" panose="020B0604030504040204" pitchFamily="34" charset="0"/>
+                <a:ea typeface="Tahoma" panose="020B0604030504040204" pitchFamily="34" charset="0"/>
+                <a:cs typeface="Tahoma" panose="020B0604030504040204" pitchFamily="34" charset="0"/>
+              </a:rPr>
+              <a:t> ان شاء الله</a:t>
+            </a:r>
+            <a:endParaRPr lang="en-US" sz="2800" dirty="0">
+              <a:effectLst/>
+              <a:latin typeface="Tahoma" panose="020B0604030504040204" pitchFamily="34" charset="0"/>
+              <a:ea typeface="Tahoma" panose="020B0604030504040204" pitchFamily="34" charset="0"/>
+              <a:cs typeface="Tahoma" panose="020B0604030504040204" pitchFamily="34" charset="0"/>
+            </a:endParaRPr>
+          </a:p>
+          <a:p>
+            <a:pPr marL="0" marR="0" indent="0" algn="r" rtl="1">
+              <a:lnSpc>
+                <a:spcPct val="107000"/>
+              </a:lnSpc>
+              <a:spcBef>
+                <a:spcPts val="0"/>
+              </a:spcBef>
+              <a:spcAft>
+                <a:spcPts val="800"/>
+              </a:spcAft>
+              <a:buNone/>
+            </a:pPr>
+            <a:r>
+              <a:rPr lang="ar-EG" sz="2800" dirty="0">
+                <a:effectLst/>
+                <a:latin typeface="Tahoma" panose="020B0604030504040204" pitchFamily="34" charset="0"/>
+                <a:ea typeface="Tahoma" panose="020B0604030504040204" pitchFamily="34" charset="0"/>
+                <a:cs typeface="Tahoma" panose="020B0604030504040204" pitchFamily="34" charset="0"/>
+              </a:rPr>
+              <a:t> </a:t>
+            </a:r>
+            <a:r>
+              <a:rPr lang="en-US" sz="2800" dirty="0">
+                <a:effectLst/>
+                <a:latin typeface="Tahoma" panose="020B0604030504040204" pitchFamily="34" charset="0"/>
+                <a:ea typeface="Tahoma" panose="020B0604030504040204" pitchFamily="34" charset="0"/>
+                <a:cs typeface="Tahoma" panose="020B0604030504040204" pitchFamily="34" charset="0"/>
+              </a:rPr>
+              <a:t>html , </a:t>
+            </a:r>
+            <a:r>
+              <a:rPr lang="en-US" sz="2800" dirty="0" err="1">
+                <a:effectLst/>
+                <a:latin typeface="Tahoma" panose="020B0604030504040204" pitchFamily="34" charset="0"/>
+                <a:ea typeface="Tahoma" panose="020B0604030504040204" pitchFamily="34" charset="0"/>
+                <a:cs typeface="Tahoma" panose="020B0604030504040204" pitchFamily="34" charset="0"/>
+              </a:rPr>
+              <a:t>css</a:t>
+            </a:r>
+            <a:r>
+              <a:rPr lang="en-US" sz="2800" dirty="0">
+                <a:effectLst/>
+                <a:latin typeface="Tahoma" panose="020B0604030504040204" pitchFamily="34" charset="0"/>
+                <a:ea typeface="Tahoma" panose="020B0604030504040204" pitchFamily="34" charset="0"/>
+                <a:cs typeface="Tahoma" panose="020B0604030504040204" pitchFamily="34" charset="0"/>
+              </a:rPr>
+              <a:t> , </a:t>
+            </a:r>
+            <a:r>
+              <a:rPr lang="en-US" sz="2800" dirty="0" err="1">
+                <a:effectLst/>
+                <a:latin typeface="Tahoma" panose="020B0604030504040204" pitchFamily="34" charset="0"/>
+                <a:ea typeface="Tahoma" panose="020B0604030504040204" pitchFamily="34" charset="0"/>
+                <a:cs typeface="Tahoma" panose="020B0604030504040204" pitchFamily="34" charset="0"/>
+              </a:rPr>
+              <a:t>javaScript</a:t>
+            </a:r>
+            <a:r>
+              <a:rPr lang="en-US" sz="2800" dirty="0">
+                <a:effectLst/>
+                <a:latin typeface="Tahoma" panose="020B0604030504040204" pitchFamily="34" charset="0"/>
+                <a:ea typeface="Tahoma" panose="020B0604030504040204" pitchFamily="34" charset="0"/>
+                <a:cs typeface="Tahoma" panose="020B0604030504040204" pitchFamily="34" charset="0"/>
+              </a:rPr>
+              <a:t> </a:t>
+            </a:r>
+          </a:p>
+          <a:p>
+            <a:pPr marL="0" marR="0" indent="0" algn="r" rtl="1">
+              <a:lnSpc>
+                <a:spcPct val="107000"/>
+              </a:lnSpc>
+              <a:spcBef>
+                <a:spcPts val="0"/>
+              </a:spcBef>
+              <a:spcAft>
+                <a:spcPts val="800"/>
+              </a:spcAft>
+              <a:buNone/>
+            </a:pPr>
+            <a:r>
+              <a:rPr lang="ar-EG" sz="2800" dirty="0">
+                <a:effectLst/>
+                <a:latin typeface="Tahoma" panose="020B0604030504040204" pitchFamily="34" charset="0"/>
+                <a:ea typeface="Tahoma" panose="020B0604030504040204" pitchFamily="34" charset="0"/>
+                <a:cs typeface="Tahoma" panose="020B0604030504040204" pitchFamily="34" charset="0"/>
+              </a:rPr>
+              <a:t>ك بداية ل مسار المطورين عامة سواء </a:t>
+            </a:r>
+            <a:r>
+              <a:rPr lang="en-US" sz="2800" dirty="0">
+                <a:effectLst/>
+                <a:latin typeface="Tahoma" panose="020B0604030504040204" pitchFamily="34" charset="0"/>
+                <a:ea typeface="Tahoma" panose="020B0604030504040204" pitchFamily="34" charset="0"/>
+                <a:cs typeface="Tahoma" panose="020B0604030504040204" pitchFamily="34" charset="0"/>
+              </a:rPr>
+              <a:t>front</a:t>
+            </a:r>
+            <a:r>
+              <a:rPr lang="ar-EG" sz="2800" dirty="0">
+                <a:effectLst/>
+                <a:latin typeface="Tahoma" panose="020B0604030504040204" pitchFamily="34" charset="0"/>
+                <a:ea typeface="Tahoma" panose="020B0604030504040204" pitchFamily="34" charset="0"/>
+                <a:cs typeface="Tahoma" panose="020B0604030504040204" pitchFamily="34" charset="0"/>
+              </a:rPr>
+              <a:t> او </a:t>
+            </a:r>
+          </a:p>
+          <a:p>
+            <a:pPr marL="0" marR="0" indent="0" algn="r" rtl="1">
+              <a:lnSpc>
+                <a:spcPct val="107000"/>
+              </a:lnSpc>
+              <a:spcBef>
+                <a:spcPts val="0"/>
+              </a:spcBef>
+              <a:spcAft>
+                <a:spcPts val="800"/>
+              </a:spcAft>
+              <a:buNone/>
+            </a:pPr>
+            <a:r>
+              <a:rPr lang="en-US" sz="2800" dirty="0">
+                <a:effectLst/>
+                <a:latin typeface="Tahoma" panose="020B0604030504040204" pitchFamily="34" charset="0"/>
+                <a:ea typeface="Tahoma" panose="020B0604030504040204" pitchFamily="34" charset="0"/>
+                <a:cs typeface="Tahoma" panose="020B0604030504040204" pitchFamily="34" charset="0"/>
+              </a:rPr>
+              <a:t>back</a:t>
+            </a:r>
+          </a:p>
+          <a:p>
+            <a:pPr marL="0" indent="0" algn="r" rtl="1">
+              <a:buNone/>
+            </a:pPr>
+            <a:endParaRPr lang="ar-EG" sz="2800" dirty="0">
+              <a:latin typeface="Tahoma" panose="020B0604030504040204" pitchFamily="34" charset="0"/>
+              <a:ea typeface="Tahoma" panose="020B0604030504040204" pitchFamily="34" charset="0"/>
+              <a:cs typeface="Tahoma" panose="020B0604030504040204" pitchFamily="34" charset="0"/>
+            </a:endParaRPr>
+          </a:p>
+        </p:txBody>
+      </p:sp>
+    </p:spTree>
+    <p:extLst>
+      <p:ext uri="{BB962C8B-B14F-4D97-AF65-F5344CB8AC3E}">
+        <p14:creationId xmlns:p14="http://schemas.microsoft.com/office/powerpoint/2010/main" val="3069750247"/>
+      </p:ext>
+    </p:extLst>
+  </p:cSld>
+  <p:clrMapOvr>
+    <a:masterClrMapping/>
+  </p:clrMapOvr>
+</p:sld>
+</file>
+
+<file path=ppt/slides/slide15.xml><?xml version="1.0" encoding="utf-8"?>
+<p:sld xmlns:a="http://schemas.openxmlformats.org/drawingml/2006/main" xmlns:r="http://schemas.openxmlformats.org/officeDocument/2006/relationships" xmlns:p="http://schemas.openxmlformats.org/presentationml/2006/main">
+  <p:cSld>
+    <p:spTree>
+      <p:nvGrpSpPr>
+        <p:cNvPr id="1" name=""/>
+        <p:cNvGrpSpPr/>
+        <p:nvPr/>
+      </p:nvGrpSpPr>
+      <p:grpSpPr>
+        <a:xfrm>
+          <a:off x="0" y="0"/>
+          <a:ext cx="0" cy="0"/>
+          <a:chOff x="0" y="0"/>
+          <a:chExt cx="0" cy="0"/>
+        </a:xfrm>
+      </p:grpSpPr>
+      <p:sp>
+        <p:nvSpPr>
+          <p:cNvPr id="2" name="Title 1">
+            <a:extLst>
+              <a:ext uri="{FF2B5EF4-FFF2-40B4-BE49-F238E27FC236}">
+                <a16:creationId xmlns:a16="http://schemas.microsoft.com/office/drawing/2014/main" id="{EACA1A72-BB99-4479-9DBC-9391096738A0}"/>
+              </a:ext>
+            </a:extLst>
+          </p:cNvPr>
+          <p:cNvSpPr>
+            <a:spLocks noGrp="1"/>
+          </p:cNvSpPr>
+          <p:nvPr>
+            <p:ph type="title"/>
+          </p:nvPr>
+        </p:nvSpPr>
+        <p:spPr/>
+        <p:txBody>
+          <a:bodyPr/>
+          <a:lstStyle/>
+          <a:p>
+            <a:pPr algn="ctr" rtl="1"/>
+            <a:r>
+              <a:rPr lang="ar-EG" dirty="0">
+                <a:solidFill>
+                  <a:schemeClr val="accent2"/>
+                </a:solidFill>
+              </a:rPr>
+              <a:t>للتسجيل</a:t>
+            </a:r>
+            <a:endParaRPr lang="en-US" dirty="0">
+              <a:solidFill>
+                <a:schemeClr val="accent2"/>
+              </a:solidFill>
+            </a:endParaRPr>
+          </a:p>
+        </p:txBody>
+      </p:sp>
+      <p:pic>
+        <p:nvPicPr>
+          <p:cNvPr id="5" name="Content Placeholder 4">
+            <a:extLst>
+              <a:ext uri="{FF2B5EF4-FFF2-40B4-BE49-F238E27FC236}">
+                <a16:creationId xmlns:a16="http://schemas.microsoft.com/office/drawing/2014/main" id="{BE4CE783-7D98-4F1C-87B6-17E5917CBC88}"/>
+              </a:ext>
+            </a:extLst>
+          </p:cNvPr>
+          <p:cNvPicPr>
+            <a:picLocks noGrp="1" noChangeAspect="1"/>
+          </p:cNvPicPr>
+          <p:nvPr>
+            <p:ph idx="1"/>
+          </p:nvPr>
+        </p:nvPicPr>
+        <p:blipFill>
+          <a:blip r:embed="rId2">
+            <a:extLst>
+              <a:ext uri="{28A0092B-C50C-407E-A947-70E740481C1C}">
+                <a14:useLocalDpi xmlns:a14="http://schemas.microsoft.com/office/drawing/2010/main" val="0"/>
+              </a:ext>
+            </a:extLst>
+          </a:blip>
+          <a:stretch>
+            <a:fillRect/>
+          </a:stretch>
+        </p:blipFill>
+        <p:spPr>
+          <a:xfrm>
+            <a:off x="3035300" y="2160588"/>
+            <a:ext cx="3881437" cy="3881437"/>
+          </a:xfrm>
+        </p:spPr>
+      </p:pic>
+    </p:spTree>
+    <p:extLst>
+      <p:ext uri="{BB962C8B-B14F-4D97-AF65-F5344CB8AC3E}">
+        <p14:creationId xmlns:p14="http://schemas.microsoft.com/office/powerpoint/2010/main" val="2507337235"/>
+      </p:ext>
+    </p:extLst>
+  </p:cSld>
+  <p:clrMapOvr>
+    <a:masterClrMapping/>
+  </p:clrMapOvr>
+</p:sld>
+</file>
+
 <file path=ppt/slides/slide2.xml><?xml version="1.0" encoding="utf-8"?>
 <p:sld xmlns:a="http://schemas.openxmlformats.org/drawingml/2006/main" xmlns:r="http://schemas.openxmlformats.org/officeDocument/2006/relationships" xmlns:p="http://schemas.openxmlformats.org/presentationml/2006/main">
   <p:cSld>
@@ -6043,890 +6846,59 @@
           <a:chExt cx="0" cy="0"/>
         </a:xfrm>
       </p:grpSpPr>
-      <p:sp>
-        <p:nvSpPr>
-          <p:cNvPr id="2" name="Title 1">
+      <p:pic>
+        <p:nvPicPr>
+          <p:cNvPr id="6146" name="Picture 2">
             <a:extLst>
               <a:ext uri="{FF2B5EF4-FFF2-40B4-BE49-F238E27FC236}">
-                <a16:creationId xmlns:a16="http://schemas.microsoft.com/office/drawing/2014/main" id="{9161154C-4E21-481C-8DC4-905F267047AD}"/>
+                <a16:creationId xmlns:a16="http://schemas.microsoft.com/office/drawing/2014/main" id="{957CF6F6-0505-4104-9883-38BDB9869E18}"/>
               </a:ext>
             </a:extLst>
           </p:cNvPr>
-          <p:cNvSpPr>
-            <a:spLocks noGrp="1"/>
-          </p:cNvSpPr>
-          <p:nvPr>
-            <p:ph type="title"/>
-          </p:nvPr>
-        </p:nvSpPr>
-        <p:spPr/>
-        <p:txBody>
-          <a:bodyPr/>
-          <a:lstStyle/>
-          <a:p>
-            <a:pPr algn="ctr"/>
-            <a:r>
-              <a:rPr lang="en-US" dirty="0">
-                <a:solidFill>
-                  <a:schemeClr val="accent2"/>
-                </a:solidFill>
-              </a:rPr>
-              <a:t>First website</a:t>
-            </a:r>
-          </a:p>
-        </p:txBody>
-      </p:sp>
-      <p:sp>
-        <p:nvSpPr>
-          <p:cNvPr id="4" name="Rectangle 1">
+          <p:cNvPicPr>
+            <a:picLocks noGrp="1" noChangeAspect="1" noChangeArrowheads="1"/>
+          </p:cNvPicPr>
+          <p:nvPr>
+            <p:ph idx="1"/>
+          </p:nvPr>
+        </p:nvPicPr>
+        <p:blipFill>
+          <a:blip r:embed="rId2">
             <a:extLst>
-              <a:ext uri="{FF2B5EF4-FFF2-40B4-BE49-F238E27FC236}">
-                <a16:creationId xmlns:a16="http://schemas.microsoft.com/office/drawing/2014/main" id="{BAD178BE-D730-43A8-8E82-BAEFFBBC40C9}"/>
+              <a:ext uri="{28A0092B-C50C-407E-A947-70E740481C1C}">
+                <a14:useLocalDpi xmlns:a14="http://schemas.microsoft.com/office/drawing/2010/main" val="0"/>
               </a:ext>
             </a:extLst>
-          </p:cNvPr>
-          <p:cNvSpPr>
-            <a:spLocks noGrp="1" noChangeArrowheads="1"/>
-          </p:cNvSpPr>
-          <p:nvPr>
-            <p:ph idx="1"/>
-          </p:nvPr>
-        </p:nvSpPr>
+          </a:blip>
+          <a:srcRect/>
+          <a:stretch>
+            <a:fillRect/>
+          </a:stretch>
+        </p:blipFill>
         <p:spPr bwMode="auto">
           <a:xfrm>
-            <a:off x="677334" y="2423597"/>
-            <a:ext cx="8901006" cy="3354765"/>
+            <a:off x="0" y="0"/>
+            <a:ext cx="12192000" cy="6854896"/>
           </a:xfrm>
           <a:prstGeom prst="rect">
             <a:avLst/>
           </a:prstGeom>
-          <a:solidFill>
-            <a:schemeClr val="tx1"/>
-          </a:solidFill>
-          <a:ln>
-            <a:noFill/>
-          </a:ln>
-          <a:effectLst/>
+          <a:noFill/>
+          <a:extLst>
+            <a:ext uri="{909E8E84-426E-40DD-AFC4-6F175D3DCCD1}">
+              <a14:hiddenFill xmlns:a14="http://schemas.microsoft.com/office/drawing/2010/main">
+                <a:solidFill>
+                  <a:srgbClr val="FFFFFF"/>
+                </a:solidFill>
+              </a14:hiddenFill>
+            </a:ext>
+          </a:extLst>
         </p:spPr>
-        <p:txBody>
-          <a:bodyPr vert="horz" wrap="square" lIns="0" tIns="0" rIns="0" bIns="0" numCol="1" anchor="ctr" anchorCtr="0" compatLnSpc="1">
-            <a:prstTxWarp prst="textNoShape">
-              <a:avLst/>
-            </a:prstTxWarp>
-            <a:spAutoFit/>
-          </a:bodyPr>
-          <a:lstStyle/>
-          <a:p>
-            <a:pPr marL="400050" lvl="1" indent="0" defTabSz="914400" eaLnBrk="0" fontAlgn="base" hangingPunct="0">
-              <a:spcBef>
-                <a:spcPct val="0"/>
-              </a:spcBef>
-              <a:spcAft>
-                <a:spcPct val="0"/>
-              </a:spcAft>
-              <a:buClrTx/>
-              <a:buSzTx/>
-              <a:buNone/>
-            </a:pPr>
-            <a:r>
-              <a:rPr kumimoji="0" lang="en-US" altLang="en-US" sz="2200" b="0" i="0" u="none" strike="noStrike" cap="none" normalizeH="0" baseline="0" dirty="0">
-                <a:ln>
-                  <a:noFill/>
-                </a:ln>
-                <a:solidFill>
-                  <a:srgbClr val="708090"/>
-                </a:solidFill>
-                <a:effectLst/>
-                <a:latin typeface="Consolas" panose="020B0609020204030204" pitchFamily="49" charset="0"/>
-              </a:rPr>
-              <a:t>&lt;!DOCTYPE html&gt;</a:t>
-            </a:r>
-          </a:p>
-          <a:p>
-            <a:pPr marL="400050" lvl="1" indent="0" defTabSz="914400" eaLnBrk="0" fontAlgn="base" hangingPunct="0">
-              <a:spcBef>
-                <a:spcPct val="0"/>
-              </a:spcBef>
-              <a:spcAft>
-                <a:spcPct val="0"/>
-              </a:spcAft>
-              <a:buClrTx/>
-              <a:buSzTx/>
-              <a:buNone/>
-            </a:pPr>
-            <a:r>
-              <a:rPr kumimoji="0" lang="en-US" altLang="en-US" sz="2200" b="0" i="0" u="none" strike="noStrike" cap="none" normalizeH="0" baseline="0" dirty="0">
-                <a:ln>
-                  <a:noFill/>
-                </a:ln>
-                <a:solidFill>
-                  <a:srgbClr val="333333"/>
-                </a:solidFill>
-                <a:effectLst/>
-                <a:latin typeface="Consolas" panose="020B0609020204030204" pitchFamily="49" charset="0"/>
-              </a:rPr>
-              <a:t> </a:t>
-            </a:r>
-            <a:r>
-              <a:rPr kumimoji="0" lang="en-US" altLang="en-US" sz="2200" b="0" i="0" u="none" strike="noStrike" cap="none" normalizeH="0" baseline="0" dirty="0">
-                <a:ln>
-                  <a:noFill/>
-                </a:ln>
-                <a:solidFill>
-                  <a:srgbClr val="999999"/>
-                </a:solidFill>
-                <a:effectLst/>
-                <a:latin typeface="Consolas" panose="020B0609020204030204" pitchFamily="49" charset="0"/>
-              </a:rPr>
-              <a:t>&lt;</a:t>
-            </a:r>
-            <a:r>
-              <a:rPr kumimoji="0" lang="en-US" altLang="en-US" sz="2200" b="0" i="0" u="none" strike="noStrike" cap="none" normalizeH="0" baseline="0" dirty="0">
-                <a:ln>
-                  <a:noFill/>
-                </a:ln>
-                <a:solidFill>
-                  <a:srgbClr val="990055"/>
-                </a:solidFill>
-                <a:effectLst/>
-                <a:latin typeface="Consolas" panose="020B0609020204030204" pitchFamily="49" charset="0"/>
-              </a:rPr>
-              <a:t>html</a:t>
-            </a:r>
-            <a:r>
-              <a:rPr kumimoji="0" lang="en-US" altLang="en-US" sz="2200" b="0" i="0" u="none" strike="noStrike" cap="none" normalizeH="0" baseline="0" dirty="0">
-                <a:ln>
-                  <a:noFill/>
-                </a:ln>
-                <a:solidFill>
-                  <a:srgbClr val="999999"/>
-                </a:solidFill>
-                <a:effectLst/>
-                <a:latin typeface="Consolas" panose="020B0609020204030204" pitchFamily="49" charset="0"/>
-              </a:rPr>
-              <a:t>&gt;</a:t>
-            </a:r>
-          </a:p>
-          <a:p>
-            <a:pPr marL="400050" lvl="1" indent="0" defTabSz="914400" eaLnBrk="0" fontAlgn="base" hangingPunct="0">
-              <a:spcBef>
-                <a:spcPct val="0"/>
-              </a:spcBef>
-              <a:spcAft>
-                <a:spcPct val="0"/>
-              </a:spcAft>
-              <a:buClrTx/>
-              <a:buSzTx/>
-              <a:buNone/>
-            </a:pPr>
-            <a:r>
-              <a:rPr lang="en-US" altLang="en-US" sz="2200" dirty="0">
-                <a:solidFill>
-                  <a:srgbClr val="999999"/>
-                </a:solidFill>
-                <a:latin typeface="Consolas" panose="020B0609020204030204" pitchFamily="49" charset="0"/>
-              </a:rPr>
-              <a:t>	</a:t>
-            </a:r>
-            <a:r>
-              <a:rPr kumimoji="0" lang="en-US" altLang="en-US" sz="2200" b="0" i="0" u="none" strike="noStrike" cap="none" normalizeH="0" baseline="0" dirty="0">
-                <a:ln>
-                  <a:noFill/>
-                </a:ln>
-                <a:solidFill>
-                  <a:srgbClr val="333333"/>
-                </a:solidFill>
-                <a:effectLst/>
-                <a:latin typeface="Consolas" panose="020B0609020204030204" pitchFamily="49" charset="0"/>
-              </a:rPr>
-              <a:t> </a:t>
-            </a:r>
-            <a:r>
-              <a:rPr kumimoji="0" lang="en-US" altLang="en-US" sz="2200" b="0" i="0" u="none" strike="noStrike" cap="none" normalizeH="0" baseline="0" dirty="0">
-                <a:ln>
-                  <a:noFill/>
-                </a:ln>
-                <a:solidFill>
-                  <a:srgbClr val="999999"/>
-                </a:solidFill>
-                <a:effectLst/>
-                <a:latin typeface="Consolas" panose="020B0609020204030204" pitchFamily="49" charset="0"/>
-              </a:rPr>
-              <a:t>&lt;</a:t>
-            </a:r>
-            <a:r>
-              <a:rPr kumimoji="0" lang="en-US" altLang="en-US" sz="2200" b="0" i="0" u="none" strike="noStrike" cap="none" normalizeH="0" baseline="0" dirty="0">
-                <a:ln>
-                  <a:noFill/>
-                </a:ln>
-                <a:solidFill>
-                  <a:srgbClr val="990055"/>
-                </a:solidFill>
-                <a:effectLst/>
-                <a:latin typeface="Consolas" panose="020B0609020204030204" pitchFamily="49" charset="0"/>
-              </a:rPr>
-              <a:t>head</a:t>
-            </a:r>
-            <a:r>
-              <a:rPr kumimoji="0" lang="en-US" altLang="en-US" sz="2200" b="0" i="0" u="none" strike="noStrike" cap="none" normalizeH="0" baseline="0" dirty="0">
-                <a:ln>
-                  <a:noFill/>
-                </a:ln>
-                <a:solidFill>
-                  <a:srgbClr val="999999"/>
-                </a:solidFill>
-                <a:effectLst/>
-                <a:latin typeface="Consolas" panose="020B0609020204030204" pitchFamily="49" charset="0"/>
-              </a:rPr>
-              <a:t>&gt;</a:t>
-            </a:r>
-          </a:p>
-          <a:p>
-            <a:pPr marL="400050" lvl="1" indent="0" defTabSz="914400" eaLnBrk="0" fontAlgn="base" hangingPunct="0">
-              <a:spcBef>
-                <a:spcPct val="0"/>
-              </a:spcBef>
-              <a:spcAft>
-                <a:spcPct val="0"/>
-              </a:spcAft>
-              <a:buClrTx/>
-              <a:buSzTx/>
-              <a:buNone/>
-            </a:pPr>
-            <a:r>
-              <a:rPr lang="en-US" altLang="en-US" sz="2200" dirty="0">
-                <a:solidFill>
-                  <a:srgbClr val="999999"/>
-                </a:solidFill>
-                <a:latin typeface="Consolas" panose="020B0609020204030204" pitchFamily="49" charset="0"/>
-              </a:rPr>
-              <a:t>		</a:t>
-            </a:r>
-            <a:r>
-              <a:rPr kumimoji="0" lang="en-US" altLang="en-US" sz="2200" b="0" i="0" u="none" strike="noStrike" cap="none" normalizeH="0" baseline="0" dirty="0">
-                <a:ln>
-                  <a:noFill/>
-                </a:ln>
-                <a:solidFill>
-                  <a:srgbClr val="333333"/>
-                </a:solidFill>
-                <a:effectLst/>
-                <a:latin typeface="Consolas" panose="020B0609020204030204" pitchFamily="49" charset="0"/>
-              </a:rPr>
-              <a:t> </a:t>
-            </a:r>
-            <a:r>
-              <a:rPr kumimoji="0" lang="en-US" altLang="en-US" sz="2200" b="0" i="0" u="none" strike="noStrike" cap="none" normalizeH="0" baseline="0" dirty="0">
-                <a:ln>
-                  <a:noFill/>
-                </a:ln>
-                <a:solidFill>
-                  <a:srgbClr val="999999"/>
-                </a:solidFill>
-                <a:effectLst/>
-                <a:latin typeface="Consolas" panose="020B0609020204030204" pitchFamily="49" charset="0"/>
-              </a:rPr>
-              <a:t>&lt;</a:t>
-            </a:r>
-            <a:r>
-              <a:rPr kumimoji="0" lang="en-US" altLang="en-US" sz="2200" b="0" i="0" u="none" strike="noStrike" cap="none" normalizeH="0" baseline="0" dirty="0">
-                <a:ln>
-                  <a:noFill/>
-                </a:ln>
-                <a:solidFill>
-                  <a:srgbClr val="990055"/>
-                </a:solidFill>
-                <a:effectLst/>
-                <a:latin typeface="Consolas" panose="020B0609020204030204" pitchFamily="49" charset="0"/>
-              </a:rPr>
-              <a:t>title</a:t>
-            </a:r>
-            <a:r>
-              <a:rPr kumimoji="0" lang="en-US" altLang="en-US" sz="2200" b="0" i="0" u="none" strike="noStrike" cap="none" normalizeH="0" baseline="0" dirty="0">
-                <a:ln>
-                  <a:noFill/>
-                </a:ln>
-                <a:solidFill>
-                  <a:srgbClr val="999999"/>
-                </a:solidFill>
-                <a:effectLst/>
-                <a:latin typeface="Consolas" panose="020B0609020204030204" pitchFamily="49" charset="0"/>
-              </a:rPr>
-              <a:t>&gt;</a:t>
-            </a:r>
-            <a:r>
-              <a:rPr kumimoji="0" lang="en-US" altLang="en-US" sz="2200" b="0" i="0" u="none" strike="noStrike" cap="none" normalizeH="0" baseline="0" dirty="0">
-                <a:ln>
-                  <a:noFill/>
-                </a:ln>
-                <a:solidFill>
-                  <a:schemeClr val="bg1"/>
-                </a:solidFill>
-                <a:effectLst/>
-                <a:latin typeface="Consolas" panose="020B0609020204030204" pitchFamily="49" charset="0"/>
-              </a:rPr>
-              <a:t>Hi there</a:t>
-            </a:r>
-            <a:r>
-              <a:rPr kumimoji="0" lang="en-US" altLang="en-US" sz="2200" b="0" i="0" u="none" strike="noStrike" cap="none" normalizeH="0" baseline="0" dirty="0">
-                <a:ln>
-                  <a:noFill/>
-                </a:ln>
-                <a:solidFill>
-                  <a:srgbClr val="999999"/>
-                </a:solidFill>
-                <a:effectLst/>
-                <a:latin typeface="Consolas" panose="020B0609020204030204" pitchFamily="49" charset="0"/>
-              </a:rPr>
-              <a:t>&lt;/</a:t>
-            </a:r>
-            <a:r>
-              <a:rPr kumimoji="0" lang="en-US" altLang="en-US" sz="2200" b="0" i="0" u="none" strike="noStrike" cap="none" normalizeH="0" baseline="0" dirty="0">
-                <a:ln>
-                  <a:noFill/>
-                </a:ln>
-                <a:solidFill>
-                  <a:srgbClr val="990055"/>
-                </a:solidFill>
-                <a:effectLst/>
-                <a:latin typeface="Consolas" panose="020B0609020204030204" pitchFamily="49" charset="0"/>
-              </a:rPr>
-              <a:t>title</a:t>
-            </a:r>
-            <a:r>
-              <a:rPr kumimoji="0" lang="en-US" altLang="en-US" sz="2200" b="0" i="0" u="none" strike="noStrike" cap="none" normalizeH="0" baseline="0" dirty="0">
-                <a:ln>
-                  <a:noFill/>
-                </a:ln>
-                <a:solidFill>
-                  <a:srgbClr val="999999"/>
-                </a:solidFill>
-                <a:effectLst/>
-                <a:latin typeface="Consolas" panose="020B0609020204030204" pitchFamily="49" charset="0"/>
-              </a:rPr>
-              <a:t>&gt;</a:t>
-            </a:r>
-          </a:p>
-          <a:p>
-            <a:pPr marL="400050" lvl="1" indent="0" defTabSz="914400" eaLnBrk="0" fontAlgn="base" hangingPunct="0">
-              <a:spcBef>
-                <a:spcPct val="0"/>
-              </a:spcBef>
-              <a:spcAft>
-                <a:spcPct val="0"/>
-              </a:spcAft>
-              <a:buClrTx/>
-              <a:buSzTx/>
-              <a:buNone/>
-            </a:pPr>
-            <a:r>
-              <a:rPr lang="en-US" altLang="en-US" sz="2200" dirty="0">
-                <a:solidFill>
-                  <a:srgbClr val="999999"/>
-                </a:solidFill>
-                <a:latin typeface="Consolas" panose="020B0609020204030204" pitchFamily="49" charset="0"/>
-              </a:rPr>
-              <a:t>	</a:t>
-            </a:r>
-            <a:r>
-              <a:rPr kumimoji="0" lang="en-US" altLang="en-US" sz="2200" b="0" i="0" u="none" strike="noStrike" cap="none" normalizeH="0" baseline="0" dirty="0">
-                <a:ln>
-                  <a:noFill/>
-                </a:ln>
-                <a:solidFill>
-                  <a:srgbClr val="333333"/>
-                </a:solidFill>
-                <a:effectLst/>
-                <a:latin typeface="Consolas" panose="020B0609020204030204" pitchFamily="49" charset="0"/>
-              </a:rPr>
-              <a:t> </a:t>
-            </a:r>
-            <a:r>
-              <a:rPr kumimoji="0" lang="en-US" altLang="en-US" sz="2200" b="0" i="0" u="none" strike="noStrike" cap="none" normalizeH="0" baseline="0" dirty="0">
-                <a:ln>
-                  <a:noFill/>
-                </a:ln>
-                <a:solidFill>
-                  <a:srgbClr val="999999"/>
-                </a:solidFill>
-                <a:effectLst/>
-                <a:latin typeface="Consolas" panose="020B0609020204030204" pitchFamily="49" charset="0"/>
-              </a:rPr>
-              <a:t>&lt;/</a:t>
-            </a:r>
-            <a:r>
-              <a:rPr kumimoji="0" lang="en-US" altLang="en-US" sz="2200" b="0" i="0" u="none" strike="noStrike" cap="none" normalizeH="0" baseline="0" dirty="0">
-                <a:ln>
-                  <a:noFill/>
-                </a:ln>
-                <a:solidFill>
-                  <a:srgbClr val="990055"/>
-                </a:solidFill>
-                <a:effectLst/>
-                <a:latin typeface="Consolas" panose="020B0609020204030204" pitchFamily="49" charset="0"/>
-              </a:rPr>
-              <a:t>head</a:t>
-            </a:r>
-            <a:r>
-              <a:rPr kumimoji="0" lang="en-US" altLang="en-US" sz="2200" b="0" i="0" u="none" strike="noStrike" cap="none" normalizeH="0" baseline="0" dirty="0">
-                <a:ln>
-                  <a:noFill/>
-                </a:ln>
-                <a:solidFill>
-                  <a:srgbClr val="999999"/>
-                </a:solidFill>
-                <a:effectLst/>
-                <a:latin typeface="Consolas" panose="020B0609020204030204" pitchFamily="49" charset="0"/>
-              </a:rPr>
-              <a:t>&gt;</a:t>
-            </a:r>
-          </a:p>
-          <a:p>
-            <a:pPr marL="400050" lvl="1" indent="0" defTabSz="914400" eaLnBrk="0" fontAlgn="base" hangingPunct="0">
-              <a:spcBef>
-                <a:spcPct val="0"/>
-              </a:spcBef>
-              <a:spcAft>
-                <a:spcPct val="0"/>
-              </a:spcAft>
-              <a:buClrTx/>
-              <a:buSzTx/>
-              <a:buNone/>
-            </a:pPr>
-            <a:r>
-              <a:rPr lang="en-US" altLang="en-US" sz="2200" dirty="0">
-                <a:solidFill>
-                  <a:srgbClr val="999999"/>
-                </a:solidFill>
-                <a:latin typeface="Consolas" panose="020B0609020204030204" pitchFamily="49" charset="0"/>
-              </a:rPr>
-              <a:t>	</a:t>
-            </a:r>
-            <a:r>
-              <a:rPr kumimoji="0" lang="en-US" altLang="en-US" sz="2200" b="0" i="0" u="none" strike="noStrike" cap="none" normalizeH="0" baseline="0" dirty="0">
-                <a:ln>
-                  <a:noFill/>
-                </a:ln>
-                <a:solidFill>
-                  <a:srgbClr val="333333"/>
-                </a:solidFill>
-                <a:effectLst/>
-                <a:latin typeface="Consolas" panose="020B0609020204030204" pitchFamily="49" charset="0"/>
-              </a:rPr>
-              <a:t> </a:t>
-            </a:r>
-            <a:r>
-              <a:rPr kumimoji="0" lang="en-US" altLang="en-US" sz="2200" b="0" i="0" u="none" strike="noStrike" cap="none" normalizeH="0" baseline="0" dirty="0">
-                <a:ln>
-                  <a:noFill/>
-                </a:ln>
-                <a:solidFill>
-                  <a:srgbClr val="999999"/>
-                </a:solidFill>
-                <a:effectLst/>
-                <a:latin typeface="Consolas" panose="020B0609020204030204" pitchFamily="49" charset="0"/>
-              </a:rPr>
-              <a:t>&lt;</a:t>
-            </a:r>
-            <a:r>
-              <a:rPr kumimoji="0" lang="en-US" altLang="en-US" sz="2200" b="0" i="0" u="none" strike="noStrike" cap="none" normalizeH="0" baseline="0" dirty="0">
-                <a:ln>
-                  <a:noFill/>
-                </a:ln>
-                <a:solidFill>
-                  <a:srgbClr val="990055"/>
-                </a:solidFill>
-                <a:effectLst/>
-                <a:latin typeface="Consolas" panose="020B0609020204030204" pitchFamily="49" charset="0"/>
-              </a:rPr>
-              <a:t>body</a:t>
-            </a:r>
-            <a:r>
-              <a:rPr kumimoji="0" lang="en-US" altLang="en-US" sz="2200" b="0" i="0" u="none" strike="noStrike" cap="none" normalizeH="0" baseline="0" dirty="0">
-                <a:ln>
-                  <a:noFill/>
-                </a:ln>
-                <a:solidFill>
-                  <a:srgbClr val="999999"/>
-                </a:solidFill>
-                <a:effectLst/>
-                <a:latin typeface="Consolas" panose="020B0609020204030204" pitchFamily="49" charset="0"/>
-              </a:rPr>
-              <a:t>&gt;</a:t>
-            </a:r>
-          </a:p>
-          <a:p>
-            <a:pPr marL="400050" lvl="1" indent="0" defTabSz="914400" eaLnBrk="0" fontAlgn="base" hangingPunct="0">
-              <a:spcBef>
-                <a:spcPct val="0"/>
-              </a:spcBef>
-              <a:spcAft>
-                <a:spcPct val="0"/>
-              </a:spcAft>
-              <a:buClrTx/>
-              <a:buSzTx/>
-              <a:buNone/>
-            </a:pPr>
-            <a:r>
-              <a:rPr kumimoji="0" lang="en-US" altLang="en-US" sz="2200" b="0" i="0" u="none" strike="noStrike" cap="none" normalizeH="0" baseline="0" dirty="0">
-                <a:ln>
-                  <a:noFill/>
-                </a:ln>
-                <a:solidFill>
-                  <a:srgbClr val="333333"/>
-                </a:solidFill>
-                <a:effectLst/>
-                <a:latin typeface="Consolas" panose="020B0609020204030204" pitchFamily="49" charset="0"/>
-              </a:rPr>
-              <a:t>		 </a:t>
-            </a:r>
-            <a:r>
-              <a:rPr lang="en-US" altLang="en-US" sz="2200" dirty="0">
-                <a:solidFill>
-                  <a:srgbClr val="999999"/>
-                </a:solidFill>
-                <a:latin typeface="Consolas" panose="020B0609020204030204" pitchFamily="49" charset="0"/>
-              </a:rPr>
-              <a:t>&lt;</a:t>
-            </a:r>
-            <a:r>
-              <a:rPr lang="en-US" altLang="en-US" sz="2200" dirty="0">
-                <a:solidFill>
-                  <a:srgbClr val="990055"/>
-                </a:solidFill>
-                <a:latin typeface="Consolas" panose="020B0609020204030204" pitchFamily="49" charset="0"/>
-              </a:rPr>
-              <a:t>h1</a:t>
-            </a:r>
-            <a:r>
-              <a:rPr lang="en-US" altLang="en-US" sz="2200" dirty="0">
-                <a:solidFill>
-                  <a:srgbClr val="999999"/>
-                </a:solidFill>
-                <a:latin typeface="Consolas" panose="020B0609020204030204" pitchFamily="49" charset="0"/>
-              </a:rPr>
-              <a:t>&gt;</a:t>
-            </a:r>
-            <a:r>
-              <a:rPr kumimoji="0" lang="en-US" altLang="en-US" sz="2200" b="0" i="0" u="none" strike="noStrike" cap="none" normalizeH="0" baseline="0" dirty="0">
-                <a:ln>
-                  <a:noFill/>
-                </a:ln>
-                <a:solidFill>
-                  <a:srgbClr val="333333"/>
-                </a:solidFill>
-                <a:effectLst/>
-                <a:latin typeface="Consolas" panose="020B0609020204030204" pitchFamily="49" charset="0"/>
-              </a:rPr>
-              <a:t> </a:t>
-            </a:r>
-            <a:r>
-              <a:rPr kumimoji="0" lang="en-US" altLang="en-US" sz="2200" b="0" i="0" u="none" strike="noStrike" cap="none" normalizeH="0" baseline="0" dirty="0">
-                <a:ln>
-                  <a:noFill/>
-                </a:ln>
-                <a:solidFill>
-                  <a:schemeClr val="bg1"/>
-                </a:solidFill>
-                <a:effectLst/>
-                <a:latin typeface="Consolas" panose="020B0609020204030204" pitchFamily="49" charset="0"/>
-              </a:rPr>
-              <a:t>This is a page </a:t>
-            </a:r>
-            <a:r>
-              <a:rPr lang="en-US" altLang="en-US" sz="2200" dirty="0">
-                <a:solidFill>
-                  <a:srgbClr val="999999"/>
-                </a:solidFill>
-                <a:latin typeface="Consolas" panose="020B0609020204030204" pitchFamily="49" charset="0"/>
-              </a:rPr>
-              <a:t>&lt;/</a:t>
-            </a:r>
-            <a:r>
-              <a:rPr lang="en-US" altLang="en-US" sz="2200" dirty="0">
-                <a:solidFill>
-                  <a:srgbClr val="990055"/>
-                </a:solidFill>
-                <a:latin typeface="Consolas" panose="020B0609020204030204" pitchFamily="49" charset="0"/>
-              </a:rPr>
-              <a:t>h1</a:t>
-            </a:r>
-            <a:r>
-              <a:rPr lang="en-US" altLang="en-US" sz="2200" dirty="0">
-                <a:solidFill>
-                  <a:srgbClr val="999999"/>
-                </a:solidFill>
-                <a:latin typeface="Consolas" panose="020B0609020204030204" pitchFamily="49" charset="0"/>
-              </a:rPr>
-              <a:t>&gt;</a:t>
-            </a:r>
-            <a:endParaRPr kumimoji="0" lang="en-US" altLang="en-US" sz="2200" b="0" i="0" u="none" strike="noStrike" cap="none" normalizeH="0" baseline="0" dirty="0">
-              <a:ln>
-                <a:noFill/>
-              </a:ln>
-              <a:solidFill>
-                <a:srgbClr val="333333"/>
-              </a:solidFill>
-              <a:effectLst/>
-              <a:latin typeface="Consolas" panose="020B0609020204030204" pitchFamily="49" charset="0"/>
-            </a:endParaRPr>
-          </a:p>
-          <a:p>
-            <a:pPr marL="400050" lvl="1" indent="0" defTabSz="914400" eaLnBrk="0" fontAlgn="base" hangingPunct="0">
-              <a:spcBef>
-                <a:spcPct val="0"/>
-              </a:spcBef>
-              <a:spcAft>
-                <a:spcPct val="0"/>
-              </a:spcAft>
-              <a:buClrTx/>
-              <a:buSzTx/>
-              <a:buNone/>
-            </a:pPr>
-            <a:r>
-              <a:rPr lang="en-US" altLang="en-US" sz="2200" dirty="0">
-                <a:solidFill>
-                  <a:srgbClr val="333333"/>
-                </a:solidFill>
-                <a:latin typeface="Consolas" panose="020B0609020204030204" pitchFamily="49" charset="0"/>
-              </a:rPr>
-              <a:t>		 </a:t>
-            </a:r>
-            <a:r>
-              <a:rPr lang="en-US" altLang="en-US" sz="2200" dirty="0">
-                <a:solidFill>
-                  <a:srgbClr val="999999"/>
-                </a:solidFill>
-                <a:latin typeface="Consolas" panose="020B0609020204030204" pitchFamily="49" charset="0"/>
-              </a:rPr>
-              <a:t>&lt;</a:t>
-            </a:r>
-            <a:r>
-              <a:rPr lang="en-US" altLang="en-US" sz="2200" dirty="0">
-                <a:solidFill>
-                  <a:srgbClr val="990055"/>
-                </a:solidFill>
-                <a:latin typeface="Consolas" panose="020B0609020204030204" pitchFamily="49" charset="0"/>
-              </a:rPr>
-              <a:t>p</a:t>
-            </a:r>
-            <a:r>
-              <a:rPr lang="en-US" altLang="en-US" sz="2200" dirty="0">
-                <a:solidFill>
-                  <a:srgbClr val="999999"/>
-                </a:solidFill>
-                <a:latin typeface="Consolas" panose="020B0609020204030204" pitchFamily="49" charset="0"/>
-              </a:rPr>
-              <a:t>&gt;</a:t>
-            </a:r>
-            <a:r>
-              <a:rPr kumimoji="0" lang="en-US" altLang="en-US" sz="2200" b="0" i="0" u="none" strike="noStrike" cap="none" normalizeH="0" baseline="0" dirty="0">
-                <a:ln>
-                  <a:noFill/>
-                </a:ln>
-                <a:solidFill>
-                  <a:srgbClr val="333333"/>
-                </a:solidFill>
-                <a:effectLst/>
-                <a:latin typeface="Consolas" panose="020B0609020204030204" pitchFamily="49" charset="0"/>
-              </a:rPr>
-              <a:t> </a:t>
-            </a:r>
-            <a:r>
-              <a:rPr kumimoji="0" lang="en-US" altLang="en-US" sz="2200" b="0" i="0" u="none" strike="noStrike" cap="none" normalizeH="0" baseline="0" dirty="0">
-                <a:ln>
-                  <a:noFill/>
-                </a:ln>
-                <a:solidFill>
-                  <a:schemeClr val="bg1"/>
-                </a:solidFill>
-                <a:effectLst/>
-                <a:latin typeface="Consolas" panose="020B0609020204030204" pitchFamily="49" charset="0"/>
-              </a:rPr>
-              <a:t>a very simple page </a:t>
-            </a:r>
-            <a:r>
-              <a:rPr lang="en-US" altLang="en-US" sz="2200" dirty="0">
-                <a:solidFill>
-                  <a:srgbClr val="999999"/>
-                </a:solidFill>
-                <a:latin typeface="Consolas" panose="020B0609020204030204" pitchFamily="49" charset="0"/>
-              </a:rPr>
-              <a:t>&lt;/</a:t>
-            </a:r>
-            <a:r>
-              <a:rPr lang="en-US" altLang="en-US" sz="2200" dirty="0">
-                <a:solidFill>
-                  <a:srgbClr val="990055"/>
-                </a:solidFill>
-                <a:latin typeface="Consolas" panose="020B0609020204030204" pitchFamily="49" charset="0"/>
-              </a:rPr>
-              <a:t>p</a:t>
-            </a:r>
-            <a:r>
-              <a:rPr lang="en-US" altLang="en-US" sz="2200" dirty="0">
-                <a:solidFill>
-                  <a:srgbClr val="999999"/>
-                </a:solidFill>
-                <a:latin typeface="Consolas" panose="020B0609020204030204" pitchFamily="49" charset="0"/>
-              </a:rPr>
-              <a:t>&gt;</a:t>
-            </a:r>
-            <a:r>
-              <a:rPr kumimoji="0" lang="en-US" altLang="en-US" sz="2200" b="0" i="0" u="none" strike="noStrike" cap="none" normalizeH="0" baseline="0" dirty="0">
-                <a:ln>
-                  <a:noFill/>
-                </a:ln>
-                <a:solidFill>
-                  <a:srgbClr val="333333"/>
-                </a:solidFill>
-                <a:effectLst/>
-                <a:latin typeface="Consolas" panose="020B0609020204030204" pitchFamily="49" charset="0"/>
-              </a:rPr>
-              <a:t> </a:t>
-            </a:r>
-          </a:p>
-          <a:p>
-            <a:pPr marL="400050" lvl="1" indent="0" defTabSz="914400" eaLnBrk="0" fontAlgn="base" hangingPunct="0">
-              <a:spcBef>
-                <a:spcPct val="0"/>
-              </a:spcBef>
-              <a:spcAft>
-                <a:spcPct val="0"/>
-              </a:spcAft>
-              <a:buClrTx/>
-              <a:buSzTx/>
-              <a:buNone/>
-            </a:pPr>
-            <a:r>
-              <a:rPr lang="en-US" altLang="en-US" sz="2200" dirty="0">
-                <a:solidFill>
-                  <a:srgbClr val="333333"/>
-                </a:solidFill>
-                <a:latin typeface="Consolas" panose="020B0609020204030204" pitchFamily="49" charset="0"/>
-              </a:rPr>
-              <a:t>	</a:t>
-            </a:r>
-            <a:r>
-              <a:rPr kumimoji="0" lang="en-US" altLang="en-US" sz="2200" b="0" i="0" u="none" strike="noStrike" cap="none" normalizeH="0" baseline="0" dirty="0">
-                <a:ln>
-                  <a:noFill/>
-                </a:ln>
-                <a:solidFill>
-                  <a:srgbClr val="999999"/>
-                </a:solidFill>
-                <a:effectLst/>
-                <a:latin typeface="Consolas" panose="020B0609020204030204" pitchFamily="49" charset="0"/>
-              </a:rPr>
-              <a:t>&lt;/</a:t>
-            </a:r>
-            <a:r>
-              <a:rPr kumimoji="0" lang="en-US" altLang="en-US" sz="2200" b="0" i="0" u="none" strike="noStrike" cap="none" normalizeH="0" baseline="0" dirty="0">
-                <a:ln>
-                  <a:noFill/>
-                </a:ln>
-                <a:solidFill>
-                  <a:srgbClr val="990055"/>
-                </a:solidFill>
-                <a:effectLst/>
-                <a:latin typeface="Consolas" panose="020B0609020204030204" pitchFamily="49" charset="0"/>
-              </a:rPr>
-              <a:t>body</a:t>
-            </a:r>
-            <a:r>
-              <a:rPr kumimoji="0" lang="en-US" altLang="en-US" sz="2200" b="0" i="0" u="none" strike="noStrike" cap="none" normalizeH="0" baseline="0" dirty="0">
-                <a:ln>
-                  <a:noFill/>
-                </a:ln>
-                <a:solidFill>
-                  <a:srgbClr val="999999"/>
-                </a:solidFill>
-                <a:effectLst/>
-                <a:latin typeface="Consolas" panose="020B0609020204030204" pitchFamily="49" charset="0"/>
-              </a:rPr>
-              <a:t>&gt;</a:t>
-            </a:r>
-          </a:p>
-          <a:p>
-            <a:pPr marL="400050" lvl="1" indent="0" defTabSz="914400" eaLnBrk="0" fontAlgn="base" hangingPunct="0">
-              <a:spcBef>
-                <a:spcPct val="0"/>
-              </a:spcBef>
-              <a:spcAft>
-                <a:spcPct val="0"/>
-              </a:spcAft>
-              <a:buClrTx/>
-              <a:buSzTx/>
-              <a:buNone/>
-            </a:pPr>
-            <a:r>
-              <a:rPr kumimoji="0" lang="en-US" altLang="en-US" sz="2200" b="0" i="0" u="none" strike="noStrike" cap="none" normalizeH="0" baseline="0" dirty="0">
-                <a:ln>
-                  <a:noFill/>
-                </a:ln>
-                <a:solidFill>
-                  <a:srgbClr val="999999"/>
-                </a:solidFill>
-                <a:effectLst/>
-                <a:latin typeface="Consolas" panose="020B0609020204030204" pitchFamily="49" charset="0"/>
-              </a:rPr>
-              <a:t>&lt;/</a:t>
-            </a:r>
-            <a:r>
-              <a:rPr kumimoji="0" lang="en-US" altLang="en-US" sz="2200" b="0" i="0" u="none" strike="noStrike" cap="none" normalizeH="0" baseline="0" dirty="0">
-                <a:ln>
-                  <a:noFill/>
-                </a:ln>
-                <a:solidFill>
-                  <a:srgbClr val="990055"/>
-                </a:solidFill>
-                <a:effectLst/>
-                <a:latin typeface="Consolas" panose="020B0609020204030204" pitchFamily="49" charset="0"/>
-              </a:rPr>
-              <a:t>html</a:t>
-            </a:r>
-            <a:r>
-              <a:rPr kumimoji="0" lang="en-US" altLang="en-US" sz="2200" b="0" i="0" u="none" strike="noStrike" cap="none" normalizeH="0" baseline="0" dirty="0">
-                <a:ln>
-                  <a:noFill/>
-                </a:ln>
-                <a:solidFill>
-                  <a:srgbClr val="999999"/>
-                </a:solidFill>
-                <a:effectLst/>
-                <a:latin typeface="Consolas" panose="020B0609020204030204" pitchFamily="49" charset="0"/>
-              </a:rPr>
-              <a:t>&gt;</a:t>
-            </a:r>
-            <a:r>
-              <a:rPr kumimoji="0" lang="en-US" altLang="en-US" sz="2200" b="0" i="0" u="none" strike="noStrike" cap="none" normalizeH="0" baseline="0" dirty="0">
-                <a:ln>
-                  <a:noFill/>
-                </a:ln>
-                <a:solidFill>
-                  <a:schemeClr val="tx1"/>
-                </a:solidFill>
-                <a:effectLst/>
-              </a:rPr>
-              <a:t> </a:t>
-            </a:r>
-            <a:endParaRPr kumimoji="0" lang="en-US" altLang="en-US" sz="2200" b="0" i="0" u="none" strike="noStrike" cap="none" normalizeH="0" baseline="0" dirty="0">
-              <a:ln>
-                <a:noFill/>
-              </a:ln>
-              <a:solidFill>
-                <a:schemeClr val="tx1"/>
-              </a:solidFill>
-              <a:effectLst/>
-              <a:latin typeface="Arial" panose="020B0604020202020204" pitchFamily="34" charset="0"/>
-            </a:endParaRPr>
-          </a:p>
-        </p:txBody>
-      </p:sp>
+      </p:pic>
     </p:spTree>
     <p:extLst>
       <p:ext uri="{BB962C8B-B14F-4D97-AF65-F5344CB8AC3E}">
-        <p14:creationId xmlns:p14="http://schemas.microsoft.com/office/powerpoint/2010/main" val="3691729511"/>
+        <p14:creationId xmlns:p14="http://schemas.microsoft.com/office/powerpoint/2010/main" val="2478713075"/>
       </p:ext>
     </p:extLst>
   </p:cSld>
@@ -6953,180 +6925,40 @@
           <a:chExt cx="0" cy="0"/>
         </a:xfrm>
       </p:grpSpPr>
-      <p:sp>
-        <p:nvSpPr>
-          <p:cNvPr id="2" name="Title 1">
+      <p:pic>
+        <p:nvPicPr>
+          <p:cNvPr id="5" name="Picture 4">
             <a:extLst>
               <a:ext uri="{FF2B5EF4-FFF2-40B4-BE49-F238E27FC236}">
-                <a16:creationId xmlns:a16="http://schemas.microsoft.com/office/drawing/2014/main" id="{63FE98C3-1098-4903-9953-D276D3CB39A8}"/>
+                <a16:creationId xmlns:a16="http://schemas.microsoft.com/office/drawing/2014/main" id="{6DFEA624-1835-4925-9F0D-51EF4043CCCE}"/>
               </a:ext>
             </a:extLst>
           </p:cNvPr>
-          <p:cNvSpPr>
-            <a:spLocks noGrp="1"/>
-          </p:cNvSpPr>
-          <p:nvPr>
-            <p:ph type="title"/>
-          </p:nvPr>
-        </p:nvSpPr>
-        <p:spPr/>
-        <p:txBody>
-          <a:bodyPr/>
-          <a:lstStyle/>
-          <a:p>
-            <a:pPr algn="ctr"/>
-            <a:r>
-              <a:rPr lang="en-US" dirty="0">
-                <a:solidFill>
-                  <a:schemeClr val="accent2"/>
-                </a:solidFill>
-              </a:rPr>
-              <a:t>Style the page</a:t>
-            </a:r>
-          </a:p>
-        </p:txBody>
-      </p:sp>
-      <p:sp>
-        <p:nvSpPr>
-          <p:cNvPr id="6" name="Rectangle 1">
-            <a:extLst>
-              <a:ext uri="{FF2B5EF4-FFF2-40B4-BE49-F238E27FC236}">
-                <a16:creationId xmlns:a16="http://schemas.microsoft.com/office/drawing/2014/main" id="{917F105A-C7B9-453C-A93C-5EA91B0F5E98}"/>
-              </a:ext>
-            </a:extLst>
-          </p:cNvPr>
-          <p:cNvSpPr>
-            <a:spLocks noGrp="1" noChangeArrowheads="1"/>
-          </p:cNvSpPr>
-          <p:nvPr>
-            <p:ph idx="1"/>
-          </p:nvPr>
-        </p:nvSpPr>
-        <p:spPr bwMode="auto">
+          <p:cNvPicPr>
+            <a:picLocks noChangeAspect="1"/>
+          </p:cNvPicPr>
+          <p:nvPr/>
+        </p:nvPicPr>
+        <p:blipFill>
+          <a:blip r:embed="rId2"/>
+          <a:stretch>
+            <a:fillRect/>
+          </a:stretch>
+        </p:blipFill>
+        <p:spPr>
           <a:xfrm>
-            <a:off x="677334" y="3372575"/>
-            <a:ext cx="8901006" cy="1456809"/>
+            <a:off x="3467100" y="590550"/>
+            <a:ext cx="5257800" cy="5676900"/>
           </a:xfrm>
           <a:prstGeom prst="rect">
             <a:avLst/>
           </a:prstGeom>
-          <a:solidFill>
-            <a:schemeClr val="tx1"/>
-          </a:solidFill>
-          <a:ln>
-            <a:noFill/>
-          </a:ln>
-          <a:effectLst/>
         </p:spPr>
-        <p:txBody>
-          <a:bodyPr vert="horz" wrap="square" lIns="0" tIns="0" rIns="0" bIns="0" numCol="1" anchor="ctr" anchorCtr="0" compatLnSpc="1">
-            <a:prstTxWarp prst="textNoShape">
-              <a:avLst/>
-            </a:prstTxWarp>
-            <a:spAutoFit/>
-          </a:bodyPr>
-          <a:lstStyle/>
-          <a:p>
-            <a:pPr marL="400050" lvl="1" indent="0">
-              <a:buNone/>
-            </a:pPr>
-            <a:r>
-              <a:rPr lang="en-US" sz="2600" b="0" dirty="0">
-                <a:solidFill>
-                  <a:srgbClr val="D7BA7D"/>
-                </a:solidFill>
-                <a:effectLst/>
-                <a:latin typeface="Consolas" panose="020B0609020204030204" pitchFamily="49" charset="0"/>
-              </a:rPr>
-              <a:t>h1</a:t>
-            </a:r>
-            <a:r>
-              <a:rPr lang="en-US" sz="2600" b="0" dirty="0">
-                <a:solidFill>
-                  <a:srgbClr val="D4D4D4"/>
-                </a:solidFill>
-                <a:effectLst/>
-                <a:latin typeface="Consolas" panose="020B0609020204030204" pitchFamily="49" charset="0"/>
-              </a:rPr>
-              <a:t> {</a:t>
-            </a:r>
-          </a:p>
-          <a:p>
-            <a:pPr marL="400050" lvl="1" indent="0">
-              <a:buNone/>
-            </a:pPr>
-            <a:r>
-              <a:rPr lang="en-US" sz="2600" b="0" dirty="0">
-                <a:solidFill>
-                  <a:srgbClr val="D4D4D4"/>
-                </a:solidFill>
-                <a:effectLst/>
-                <a:latin typeface="Consolas" panose="020B0609020204030204" pitchFamily="49" charset="0"/>
-              </a:rPr>
-              <a:t>        </a:t>
-            </a:r>
-            <a:r>
-              <a:rPr lang="en-US" sz="2600" b="0" dirty="0">
-                <a:solidFill>
-                  <a:srgbClr val="9CDCFE"/>
-                </a:solidFill>
-                <a:effectLst/>
-                <a:latin typeface="Consolas" panose="020B0609020204030204" pitchFamily="49" charset="0"/>
-              </a:rPr>
-              <a:t>color</a:t>
-            </a:r>
-            <a:r>
-              <a:rPr lang="en-US" sz="2600" b="0" dirty="0">
-                <a:solidFill>
-                  <a:srgbClr val="D4D4D4"/>
-                </a:solidFill>
-                <a:effectLst/>
-                <a:latin typeface="Consolas" panose="020B0609020204030204" pitchFamily="49" charset="0"/>
-              </a:rPr>
-              <a:t>: </a:t>
-            </a:r>
-            <a:r>
-              <a:rPr lang="en-US" sz="2600" b="0" dirty="0">
-                <a:solidFill>
-                  <a:srgbClr val="CE9178"/>
-                </a:solidFill>
-                <a:effectLst/>
-                <a:latin typeface="Consolas" panose="020B0609020204030204" pitchFamily="49" charset="0"/>
-              </a:rPr>
-              <a:t>red</a:t>
-            </a:r>
-            <a:r>
-              <a:rPr lang="en-US" sz="2600" b="0" dirty="0">
-                <a:solidFill>
-                  <a:srgbClr val="D4D4D4"/>
-                </a:solidFill>
-                <a:effectLst/>
-                <a:latin typeface="Consolas" panose="020B0609020204030204" pitchFamily="49" charset="0"/>
-              </a:rPr>
-              <a:t>;</a:t>
-            </a:r>
-          </a:p>
-          <a:p>
-            <a:pPr marL="400050" lvl="1" indent="0">
-              <a:buNone/>
-            </a:pPr>
-            <a:r>
-              <a:rPr lang="en-US" sz="2600" b="0" dirty="0">
-                <a:solidFill>
-                  <a:srgbClr val="D4D4D4"/>
-                </a:solidFill>
-                <a:effectLst/>
-                <a:latin typeface="Consolas" panose="020B0609020204030204" pitchFamily="49" charset="0"/>
-              </a:rPr>
-              <a:t>}</a:t>
-            </a:r>
-          </a:p>
-        </p:txBody>
-      </p:sp>
+      </p:pic>
     </p:spTree>
     <p:extLst>
       <p:ext uri="{BB962C8B-B14F-4D97-AF65-F5344CB8AC3E}">
-        <p14:creationId xmlns:p14="http://schemas.microsoft.com/office/powerpoint/2010/main" val="1118811387"/>
+        <p14:creationId xmlns:p14="http://schemas.microsoft.com/office/powerpoint/2010/main" val="53194441"/>
       </p:ext>
     </p:extLst>
   </p:cSld>
@@ -7158,7 +6990,7 @@
           <p:cNvPr id="2" name="Title 1">
             <a:extLst>
               <a:ext uri="{FF2B5EF4-FFF2-40B4-BE49-F238E27FC236}">
-                <a16:creationId xmlns:a16="http://schemas.microsoft.com/office/drawing/2014/main" id="{3880FE57-E9F5-45C8-981E-F3E9264316BE}"/>
+                <a16:creationId xmlns:a16="http://schemas.microsoft.com/office/drawing/2014/main" id="{9161154C-4E21-481C-8DC4-905F267047AD}"/>
               </a:ext>
             </a:extLst>
           </p:cNvPr>
@@ -7181,7 +7013,7 @@
                   <a:schemeClr val="accent2"/>
                 </a:solidFill>
               </a:rPr>
-              <a:t>Script it</a:t>
+              <a:t>First website</a:t>
             </a:r>
           </a:p>
         </p:txBody>
@@ -7191,19 +7023,21 @@
           <p:cNvPr id="4" name="Rectangle 1">
             <a:extLst>
               <a:ext uri="{FF2B5EF4-FFF2-40B4-BE49-F238E27FC236}">
-                <a16:creationId xmlns:a16="http://schemas.microsoft.com/office/drawing/2014/main" id="{5C7EA887-9F0C-420A-8BEC-E756D7936E4E}"/>
+                <a16:creationId xmlns:a16="http://schemas.microsoft.com/office/drawing/2014/main" id="{BAD178BE-D730-43A8-8E82-BAEFFBBC40C9}"/>
               </a:ext>
             </a:extLst>
           </p:cNvPr>
-          <p:cNvSpPr txBox="1">
-            <a:spLocks noChangeArrowheads="1"/>
-          </p:cNvSpPr>
-          <p:nvPr/>
+          <p:cNvSpPr>
+            <a:spLocks noGrp="1" noChangeArrowheads="1"/>
+          </p:cNvSpPr>
+          <p:nvPr>
+            <p:ph idx="1"/>
+          </p:nvPr>
         </p:nvSpPr>
         <p:spPr bwMode="auto">
           <a:xfrm>
-            <a:off x="677334" y="3023763"/>
-            <a:ext cx="8901006" cy="2154436"/>
+            <a:off x="677334" y="2423597"/>
+            <a:ext cx="8901006" cy="3354765"/>
           </a:xfrm>
           <a:prstGeom prst="rect">
             <a:avLst/>
@@ -7217,239 +7051,13 @@
           <a:effectLst/>
         </p:spPr>
         <p:txBody>
-          <a:bodyPr vert="horz" wrap="square" lIns="0" tIns="0" rIns="0" bIns="0" numCol="1" rtlCol="0" anchor="ctr" anchorCtr="0" compatLnSpc="1">
+          <a:bodyPr vert="horz" wrap="square" lIns="0" tIns="0" rIns="0" bIns="0" numCol="1" anchor="ctr" anchorCtr="0" compatLnSpc="1">
             <a:prstTxWarp prst="textNoShape">
               <a:avLst/>
             </a:prstTxWarp>
             <a:spAutoFit/>
           </a:bodyPr>
-          <a:lstStyle>
-            <a:lvl1pPr marL="342900" indent="-342900" algn="l" defTabSz="457200" rtl="0" eaLnBrk="1" latinLnBrk="0" hangingPunct="1">
-              <a:spcBef>
-                <a:spcPts val="1000"/>
-              </a:spcBef>
-              <a:spcAft>
-                <a:spcPts val="0"/>
-              </a:spcAft>
-              <a:buClr>
-                <a:schemeClr val="accent1"/>
-              </a:buClr>
-              <a:buSzPct val="80000"/>
-              <a:buFont typeface="Wingdings 3" charset="2"/>
-              <a:buChar char=""/>
-              <a:defRPr sz="1800" kern="1200">
-                <a:solidFill>
-                  <a:schemeClr val="tx1">
-                    <a:lumMod val="75000"/>
-                    <a:lumOff val="25000"/>
-                  </a:schemeClr>
-                </a:solidFill>
-                <a:latin typeface="+mn-lt"/>
-                <a:ea typeface="+mn-ea"/>
-                <a:cs typeface="+mn-cs"/>
-              </a:defRPr>
-            </a:lvl1pPr>
-            <a:lvl2pPr marL="742950" indent="-285750" algn="l" defTabSz="457200" rtl="0" eaLnBrk="1" latinLnBrk="0" hangingPunct="1">
-              <a:spcBef>
-                <a:spcPts val="1000"/>
-              </a:spcBef>
-              <a:spcAft>
-                <a:spcPts val="0"/>
-              </a:spcAft>
-              <a:buClr>
-                <a:schemeClr val="accent1"/>
-              </a:buClr>
-              <a:buSzPct val="80000"/>
-              <a:buFont typeface="Wingdings 3" charset="2"/>
-              <a:buChar char=""/>
-              <a:defRPr sz="1600" kern="1200">
-                <a:solidFill>
-                  <a:schemeClr val="tx1">
-                    <a:lumMod val="75000"/>
-                    <a:lumOff val="25000"/>
-                  </a:schemeClr>
-                </a:solidFill>
-                <a:latin typeface="+mn-lt"/>
-                <a:ea typeface="+mn-ea"/>
-                <a:cs typeface="+mn-cs"/>
-              </a:defRPr>
-            </a:lvl2pPr>
-            <a:lvl3pPr marL="1143000" indent="-228600" algn="l" defTabSz="457200" rtl="0" eaLnBrk="1" latinLnBrk="0" hangingPunct="1">
-              <a:spcBef>
-                <a:spcPts val="1000"/>
-              </a:spcBef>
-              <a:spcAft>
-                <a:spcPts val="0"/>
-              </a:spcAft>
-              <a:buClr>
-                <a:schemeClr val="accent1"/>
-              </a:buClr>
-              <a:buSzPct val="80000"/>
-              <a:buFont typeface="Wingdings 3" charset="2"/>
-              <a:buChar char=""/>
-              <a:defRPr sz="1400" kern="1200">
-                <a:solidFill>
-                  <a:schemeClr val="tx1">
-                    <a:lumMod val="75000"/>
-                    <a:lumOff val="25000"/>
-                  </a:schemeClr>
-                </a:solidFill>
-                <a:latin typeface="+mn-lt"/>
-                <a:ea typeface="+mn-ea"/>
-                <a:cs typeface="+mn-cs"/>
-              </a:defRPr>
-            </a:lvl3pPr>
-            <a:lvl4pPr marL="1600200" indent="-228600" algn="l" defTabSz="457200" rtl="0" eaLnBrk="1" latinLnBrk="0" hangingPunct="1">
-              <a:spcBef>
-                <a:spcPts val="1000"/>
-              </a:spcBef>
-              <a:spcAft>
-                <a:spcPts val="0"/>
-              </a:spcAft>
-              <a:buClr>
-                <a:schemeClr val="accent1"/>
-              </a:buClr>
-              <a:buSzPct val="80000"/>
-              <a:buFont typeface="Wingdings 3" charset="2"/>
-              <a:buChar char=""/>
-              <a:defRPr sz="1200" kern="1200">
-                <a:solidFill>
-                  <a:schemeClr val="tx1">
-                    <a:lumMod val="75000"/>
-                    <a:lumOff val="25000"/>
-                  </a:schemeClr>
-                </a:solidFill>
-                <a:latin typeface="+mn-lt"/>
-                <a:ea typeface="+mn-ea"/>
-                <a:cs typeface="+mn-cs"/>
-              </a:defRPr>
-            </a:lvl4pPr>
-            <a:lvl5pPr marL="2057400" indent="-228600" algn="l" defTabSz="457200" rtl="0" eaLnBrk="1" latinLnBrk="0" hangingPunct="1">
-              <a:spcBef>
-                <a:spcPts val="1000"/>
-              </a:spcBef>
-              <a:spcAft>
-                <a:spcPts val="0"/>
-              </a:spcAft>
-              <a:buClr>
-                <a:schemeClr val="accent1"/>
-              </a:buClr>
-              <a:buSzPct val="80000"/>
-              <a:buFont typeface="Wingdings 3" charset="2"/>
-              <a:buChar char=""/>
-              <a:defRPr sz="1200" kern="1200">
-                <a:solidFill>
-                  <a:schemeClr val="tx1">
-                    <a:lumMod val="75000"/>
-                    <a:lumOff val="25000"/>
-                  </a:schemeClr>
-                </a:solidFill>
-                <a:latin typeface="+mn-lt"/>
-                <a:ea typeface="+mn-ea"/>
-                <a:cs typeface="+mn-cs"/>
-              </a:defRPr>
-            </a:lvl5pPr>
-            <a:lvl6pPr marL="2514600" indent="-228600" algn="l" defTabSz="457200" rtl="0" eaLnBrk="1" latinLnBrk="0" hangingPunct="1">
-              <a:spcBef>
-                <a:spcPts val="1000"/>
-              </a:spcBef>
-              <a:spcAft>
-                <a:spcPts val="0"/>
-              </a:spcAft>
-              <a:buClr>
-                <a:schemeClr val="accent1"/>
-              </a:buClr>
-              <a:buSzPct val="80000"/>
-              <a:buFont typeface="Wingdings 3" charset="2"/>
-              <a:buChar char=""/>
-              <a:defRPr sz="1200" kern="1200">
-                <a:solidFill>
-                  <a:schemeClr val="tx1">
-                    <a:lumMod val="75000"/>
-                    <a:lumOff val="25000"/>
-                  </a:schemeClr>
-                </a:solidFill>
-                <a:latin typeface="+mn-lt"/>
-                <a:ea typeface="+mn-ea"/>
-                <a:cs typeface="+mn-cs"/>
-              </a:defRPr>
-            </a:lvl6pPr>
-            <a:lvl7pPr marL="2971800" indent="-228600" algn="l" defTabSz="457200" rtl="0" eaLnBrk="1" latinLnBrk="0" hangingPunct="1">
-              <a:spcBef>
-                <a:spcPts val="1000"/>
-              </a:spcBef>
-              <a:spcAft>
-                <a:spcPts val="0"/>
-              </a:spcAft>
-              <a:buClr>
-                <a:schemeClr val="accent1"/>
-              </a:buClr>
-              <a:buSzPct val="80000"/>
-              <a:buFont typeface="Wingdings 3" charset="2"/>
-              <a:buChar char=""/>
-              <a:defRPr sz="1200" kern="1200">
-                <a:solidFill>
-                  <a:schemeClr val="tx1">
-                    <a:lumMod val="75000"/>
-                    <a:lumOff val="25000"/>
-                  </a:schemeClr>
-                </a:solidFill>
-                <a:latin typeface="+mn-lt"/>
-                <a:ea typeface="+mn-ea"/>
-                <a:cs typeface="+mn-cs"/>
-              </a:defRPr>
-            </a:lvl7pPr>
-            <a:lvl8pPr marL="3429000" indent="-228600" algn="l" defTabSz="457200" rtl="0" eaLnBrk="1" latinLnBrk="0" hangingPunct="1">
-              <a:spcBef>
-                <a:spcPts val="1000"/>
-              </a:spcBef>
-              <a:spcAft>
-                <a:spcPts val="0"/>
-              </a:spcAft>
-              <a:buClr>
-                <a:schemeClr val="accent1"/>
-              </a:buClr>
-              <a:buSzPct val="80000"/>
-              <a:buFont typeface="Wingdings 3" charset="2"/>
-              <a:buChar char=""/>
-              <a:defRPr sz="1200" kern="1200">
-                <a:solidFill>
-                  <a:schemeClr val="tx1">
-                    <a:lumMod val="75000"/>
-                    <a:lumOff val="25000"/>
-                  </a:schemeClr>
-                </a:solidFill>
-                <a:latin typeface="+mn-lt"/>
-                <a:ea typeface="+mn-ea"/>
-                <a:cs typeface="+mn-cs"/>
-              </a:defRPr>
-            </a:lvl8pPr>
-            <a:lvl9pPr marL="3886200" indent="-228600" algn="l" defTabSz="457200" rtl="0" eaLnBrk="1" latinLnBrk="0" hangingPunct="1">
-              <a:spcBef>
-                <a:spcPts val="1000"/>
-              </a:spcBef>
-              <a:spcAft>
-                <a:spcPts val="0"/>
-              </a:spcAft>
-              <a:buClr>
-                <a:schemeClr val="accent1"/>
-              </a:buClr>
-              <a:buSzPct val="80000"/>
-              <a:buFont typeface="Wingdings 3" charset="2"/>
-              <a:buChar char=""/>
-              <a:defRPr sz="1200" kern="1200">
-                <a:solidFill>
-                  <a:schemeClr val="tx1">
-                    <a:lumMod val="75000"/>
-                    <a:lumOff val="25000"/>
-                  </a:schemeClr>
-                </a:solidFill>
-                <a:latin typeface="+mn-lt"/>
-                <a:ea typeface="+mn-ea"/>
-                <a:cs typeface="+mn-cs"/>
-              </a:defRPr>
-            </a:lvl9pPr>
-          </a:lstStyle>
+          <a:lstStyle/>
           <a:p>
             <a:pPr marL="400050" lvl="1" indent="0" defTabSz="914400" eaLnBrk="0" fontAlgn="base" hangingPunct="0">
               <a:spcBef>
@@ -7462,13 +7070,19 @@
               <a:buSzTx/>
               <a:buNone/>
             </a:pPr>
-            <a:endParaRPr lang="en-US" sz="2800" b="0" dirty="0">
-              <a:solidFill>
-                <a:srgbClr val="D4D4D4"/>
-              </a:solidFill>
-              <a:effectLst/>
-              <a:latin typeface="Consolas" panose="020B0609020204030204" pitchFamily="49" charset="0"/>
-            </a:endParaRPr>
+            <a:r>
+              <a:rPr kumimoji="0" lang="en-US" altLang="en-US" sz="2200" b="0" i="0" u="none" strike="noStrike" cap="none" normalizeH="0" baseline="0" dirty="0">
+                <a:ln>
+                  <a:noFill/>
+                </a:ln>
+                <a:solidFill>
+                  <a:schemeClr val="bg1"/>
+                </a:solidFill>
+                <a:effectLst/>
+                <a:latin typeface="Consolas" panose="020B0609020204030204" pitchFamily="49" charset="0"/>
+              </a:rPr>
+              <a:t>&lt;!DOCTYPE html&gt;</a:t>
+            </a:r>
           </a:p>
           <a:p>
             <a:pPr marL="400050" lvl="1" indent="0" defTabSz="914400" eaLnBrk="0" fontAlgn="base" hangingPunct="0">
@@ -7482,12 +7096,58 @@
               <a:buSzTx/>
               <a:buNone/>
             </a:pPr>
-            <a:endParaRPr lang="en-US" sz="2800" dirty="0">
-              <a:solidFill>
-                <a:srgbClr val="D4D4D4"/>
-              </a:solidFill>
-              <a:latin typeface="Consolas" panose="020B0609020204030204" pitchFamily="49" charset="0"/>
-            </a:endParaRPr>
+            <a:r>
+              <a:rPr kumimoji="0" lang="en-US" altLang="en-US" sz="2200" b="0" i="0" u="none" strike="noStrike" cap="none" normalizeH="0" baseline="0" dirty="0">
+                <a:ln>
+                  <a:noFill/>
+                </a:ln>
+                <a:solidFill>
+                  <a:srgbClr val="333333"/>
+                </a:solidFill>
+                <a:effectLst/>
+                <a:latin typeface="Consolas" panose="020B0609020204030204" pitchFamily="49" charset="0"/>
+              </a:rPr>
+              <a:t> </a:t>
+            </a:r>
+            <a:r>
+              <a:rPr kumimoji="0" lang="en-US" altLang="en-US" sz="2200" b="0" i="0" u="none" strike="noStrike" cap="none" normalizeH="0" baseline="0" dirty="0">
+                <a:ln>
+                  <a:noFill/>
+                </a:ln>
+                <a:solidFill>
+                  <a:srgbClr val="999999"/>
+                </a:solidFill>
+                <a:effectLst/>
+                <a:latin typeface="Consolas" panose="020B0609020204030204" pitchFamily="49" charset="0"/>
+              </a:rPr>
+              <a:t>&lt;</a:t>
+            </a:r>
+            <a:r>
+              <a:rPr kumimoji="0" lang="en-US" altLang="en-US" sz="2200" b="0" i="0" u="none" strike="noStrike" cap="none" normalizeH="0" baseline="0" dirty="0">
+                <a:ln>
+                  <a:noFill/>
+                </a:ln>
+                <a:solidFill>
+                  <a:srgbClr val="990055"/>
+                </a:solidFill>
+                <a:effectLst/>
+                <a:latin typeface="Consolas" panose="020B0609020204030204" pitchFamily="49" charset="0"/>
+              </a:rPr>
+              <a:t>html</a:t>
+            </a:r>
+            <a:r>
+              <a:rPr kumimoji="0" lang="en-US" altLang="en-US" sz="2200" b="0" i="0" u="none" strike="noStrike" cap="none" normalizeH="0" baseline="0" dirty="0">
+                <a:ln>
+                  <a:noFill/>
+                </a:ln>
+                <a:solidFill>
+                  <a:srgbClr val="999999"/>
+                </a:solidFill>
+                <a:effectLst/>
+                <a:latin typeface="Consolas" panose="020B0609020204030204" pitchFamily="49" charset="0"/>
+              </a:rPr>
+              <a:t>&gt;</a:t>
+            </a:r>
           </a:p>
           <a:p>
             <a:pPr marL="400050" lvl="1" indent="0" defTabSz="914400" eaLnBrk="0" fontAlgn="base" hangingPunct="0">
@@ -7502,81 +7162,66 @@
               <a:buNone/>
             </a:pPr>
             <a:r>
-              <a:rPr lang="en-US" sz="2800" b="0" dirty="0">
-                <a:solidFill>
-                  <a:srgbClr val="D4D4D4"/>
+              <a:rPr lang="en-US" altLang="en-US" sz="2200" dirty="0">
+                <a:solidFill>
+                  <a:srgbClr val="999999"/>
+                </a:solidFill>
+                <a:latin typeface="Consolas" panose="020B0609020204030204" pitchFamily="49" charset="0"/>
+              </a:rPr>
+              <a:t>	</a:t>
+            </a:r>
+            <a:r>
+              <a:rPr kumimoji="0" lang="en-US" altLang="en-US" sz="2200" b="0" i="0" u="none" strike="noStrike" cap="none" normalizeH="0" baseline="0" dirty="0">
+                <a:ln>
+                  <a:noFill/>
+                </a:ln>
+                <a:solidFill>
+                  <a:srgbClr val="333333"/>
                 </a:solidFill>
                 <a:effectLst/>
                 <a:latin typeface="Consolas" panose="020B0609020204030204" pitchFamily="49" charset="0"/>
               </a:rPr>
-              <a:t>      </a:t>
-            </a:r>
-            <a:r>
-              <a:rPr lang="en-US" sz="2800" b="0" dirty="0">
-                <a:solidFill>
-                  <a:srgbClr val="9CDCFE"/>
+              <a:t> </a:t>
+            </a:r>
+            <a:r>
+              <a:rPr kumimoji="0" lang="en-US" altLang="en-US" sz="2200" b="0" i="0" u="none" strike="noStrike" cap="none" normalizeH="0" baseline="0" dirty="0">
+                <a:ln>
+                  <a:noFill/>
+                </a:ln>
+                <a:solidFill>
+                  <a:srgbClr val="999999"/>
                 </a:solidFill>
                 <a:effectLst/>
                 <a:latin typeface="Consolas" panose="020B0609020204030204" pitchFamily="49" charset="0"/>
               </a:rPr>
-              <a:t>document</a:t>
-            </a:r>
-            <a:r>
-              <a:rPr lang="en-US" sz="2800" b="0" dirty="0">
-                <a:solidFill>
-                  <a:srgbClr val="D4D4D4"/>
+              <a:t>&lt;</a:t>
+            </a:r>
+            <a:r>
+              <a:rPr kumimoji="0" lang="en-US" altLang="en-US" sz="2200" b="0" i="0" u="none" strike="noStrike" cap="none" normalizeH="0" baseline="0" dirty="0">
+                <a:ln>
+                  <a:noFill/>
+                </a:ln>
+                <a:solidFill>
+                  <a:srgbClr val="990055"/>
                 </a:solidFill>
                 <a:effectLst/>
                 <a:latin typeface="Consolas" panose="020B0609020204030204" pitchFamily="49" charset="0"/>
               </a:rPr>
-              <a:t>.</a:t>
-            </a:r>
-            <a:r>
-              <a:rPr lang="en-US" sz="2800" b="0" dirty="0">
-                <a:solidFill>
-                  <a:srgbClr val="DCDCAA"/>
+              <a:t>head</a:t>
+            </a:r>
+            <a:r>
+              <a:rPr kumimoji="0" lang="en-US" altLang="en-US" sz="2200" b="0" i="0" u="none" strike="noStrike" cap="none" normalizeH="0" baseline="0" dirty="0">
+                <a:ln>
+                  <a:noFill/>
+                </a:ln>
+                <a:solidFill>
+                  <a:srgbClr val="999999"/>
                 </a:solidFill>
                 <a:effectLst/>
                 <a:latin typeface="Consolas" panose="020B0609020204030204" pitchFamily="49" charset="0"/>
               </a:rPr>
-              <a:t>write</a:t>
-            </a:r>
-            <a:r>
-              <a:rPr lang="en-US" sz="2800" b="0" dirty="0">
-                <a:solidFill>
-                  <a:srgbClr val="D4D4D4"/>
-                </a:solidFill>
-                <a:effectLst/>
-                <a:latin typeface="Consolas" panose="020B0609020204030204" pitchFamily="49" charset="0"/>
-              </a:rPr>
-              <a:t>(</a:t>
-            </a:r>
-            <a:r>
-              <a:rPr lang="en-US" sz="2800" b="0" dirty="0">
-                <a:solidFill>
-                  <a:srgbClr val="CE9178"/>
-                </a:solidFill>
-                <a:effectLst/>
-                <a:latin typeface="Consolas" panose="020B0609020204030204" pitchFamily="49" charset="0"/>
-              </a:rPr>
-              <a:t>"hi"</a:t>
-            </a:r>
-            <a:r>
-              <a:rPr lang="en-US" sz="2800" b="0" dirty="0">
-                <a:solidFill>
-                  <a:srgbClr val="D4D4D4"/>
-                </a:solidFill>
-                <a:effectLst/>
-                <a:latin typeface="Consolas" panose="020B0609020204030204" pitchFamily="49" charset="0"/>
-              </a:rPr>
-              <a:t>);</a:t>
-            </a:r>
-            <a:endParaRPr lang="en-US" sz="2800" dirty="0">
-              <a:solidFill>
-                <a:srgbClr val="D4D4D4"/>
-              </a:solidFill>
-              <a:latin typeface="Consolas" panose="020B0609020204030204" pitchFamily="49" charset="0"/>
-            </a:endParaRPr>
+              <a:t>&gt;</a:t>
+            </a:r>
           </a:p>
           <a:p>
             <a:pPr marL="400050" lvl="1" indent="0" defTabSz="914400" eaLnBrk="0" fontAlgn="base" hangingPunct="0">
@@ -7590,13 +7235,119 @@
               <a:buSzTx/>
               <a:buNone/>
             </a:pPr>
-            <a:endParaRPr lang="en-US" sz="2800" b="0" dirty="0">
-              <a:solidFill>
-                <a:srgbClr val="D4D4D4"/>
-              </a:solidFill>
-              <a:effectLst/>
-              <a:latin typeface="Consolas" panose="020B0609020204030204" pitchFamily="49" charset="0"/>
-            </a:endParaRPr>
+            <a:r>
+              <a:rPr lang="en-US" altLang="en-US" sz="2200" dirty="0">
+                <a:solidFill>
+                  <a:srgbClr val="999999"/>
+                </a:solidFill>
+                <a:latin typeface="Consolas" panose="020B0609020204030204" pitchFamily="49" charset="0"/>
+              </a:rPr>
+              <a:t>		</a:t>
+            </a:r>
+            <a:r>
+              <a:rPr kumimoji="0" lang="en-US" altLang="en-US" sz="2200" b="0" i="0" u="none" strike="noStrike" cap="none" normalizeH="0" baseline="0" dirty="0">
+                <a:ln>
+                  <a:noFill/>
+                </a:ln>
+                <a:solidFill>
+                  <a:srgbClr val="333333"/>
+                </a:solidFill>
+                <a:effectLst/>
+                <a:latin typeface="Consolas" panose="020B0609020204030204" pitchFamily="49" charset="0"/>
+              </a:rPr>
+              <a:t> </a:t>
+            </a:r>
+            <a:r>
+              <a:rPr kumimoji="0" lang="en-US" altLang="en-US" sz="2200" b="0" i="0" u="none" strike="noStrike" cap="none" normalizeH="0" baseline="0" dirty="0">
+                <a:ln>
+                  <a:noFill/>
+                </a:ln>
+                <a:solidFill>
+                  <a:srgbClr val="999999"/>
+                </a:solidFill>
+                <a:effectLst/>
+                <a:latin typeface="Consolas" panose="020B0609020204030204" pitchFamily="49" charset="0"/>
+              </a:rPr>
+              <a:t>&lt;</a:t>
+            </a:r>
+            <a:r>
+              <a:rPr kumimoji="0" lang="en-US" altLang="en-US" sz="2200" b="0" i="0" u="none" strike="noStrike" cap="none" normalizeH="0" baseline="0" dirty="0">
+                <a:ln>
+                  <a:noFill/>
+                </a:ln>
+                <a:solidFill>
+                  <a:srgbClr val="990055"/>
+                </a:solidFill>
+                <a:effectLst/>
+                <a:latin typeface="Consolas" panose="020B0609020204030204" pitchFamily="49" charset="0"/>
+              </a:rPr>
+              <a:t>title</a:t>
+            </a:r>
+            <a:r>
+              <a:rPr kumimoji="0" lang="en-US" altLang="en-US" sz="2200" b="0" i="0" u="none" strike="noStrike" cap="none" normalizeH="0" baseline="0" dirty="0">
+                <a:ln>
+                  <a:noFill/>
+                </a:ln>
+                <a:solidFill>
+                  <a:srgbClr val="999999"/>
+                </a:solidFill>
+                <a:effectLst/>
+                <a:latin typeface="Consolas" panose="020B0609020204030204" pitchFamily="49" charset="0"/>
+              </a:rPr>
+              <a:t>&gt;</a:t>
+            </a:r>
+            <a:r>
+              <a:rPr kumimoji="0" lang="en-US" altLang="en-US" sz="2200" b="0" i="0" u="none" strike="noStrike" cap="none" normalizeH="0" baseline="0" dirty="0">
+                <a:ln>
+                  <a:noFill/>
+                </a:ln>
+                <a:solidFill>
+                  <a:schemeClr val="bg1"/>
+                </a:solidFill>
+                <a:effectLst/>
+                <a:latin typeface="Consolas" panose="020B0609020204030204" pitchFamily="49" charset="0"/>
+              </a:rPr>
+              <a:t>Hi-from-title</a:t>
+            </a:r>
+            <a:r>
+              <a:rPr kumimoji="0" lang="en-US" altLang="en-US" sz="2200" b="0" i="0" u="none" strike="noStrike" cap="none" normalizeH="0" baseline="0" dirty="0">
+                <a:ln>
+                  <a:noFill/>
+                </a:ln>
+                <a:solidFill>
+                  <a:srgbClr val="999999"/>
+                </a:solidFill>
+                <a:effectLst/>
+                <a:latin typeface="Consolas" panose="020B0609020204030204" pitchFamily="49" charset="0"/>
+              </a:rPr>
+              <a:t>&lt;/</a:t>
+            </a:r>
+            <a:r>
+              <a:rPr kumimoji="0" lang="en-US" altLang="en-US" sz="2200" b="0" i="0" u="none" strike="noStrike" cap="none" normalizeH="0" baseline="0" dirty="0">
+                <a:ln>
+                  <a:noFill/>
+                </a:ln>
+                <a:solidFill>
+                  <a:srgbClr val="990055"/>
+                </a:solidFill>
+                <a:effectLst/>
+                <a:latin typeface="Consolas" panose="020B0609020204030204" pitchFamily="49" charset="0"/>
+              </a:rPr>
+              <a:t>title</a:t>
+            </a:r>
+            <a:r>
+              <a:rPr kumimoji="0" lang="en-US" altLang="en-US" sz="2200" b="0" i="0" u="none" strike="noStrike" cap="none" normalizeH="0" baseline="0" dirty="0">
+                <a:ln>
+                  <a:noFill/>
+                </a:ln>
+                <a:solidFill>
+                  <a:srgbClr val="999999"/>
+                </a:solidFill>
+                <a:effectLst/>
+                <a:latin typeface="Consolas" panose="020B0609020204030204" pitchFamily="49" charset="0"/>
+              </a:rPr>
+              <a:t>&gt;</a:t>
+            </a:r>
           </a:p>
           <a:p>
             <a:pPr marL="400050" lvl="1" indent="0" defTabSz="914400" eaLnBrk="0" fontAlgn="base" hangingPunct="0">
@@ -7610,20 +7361,488 @@
               <a:buSzTx/>
               <a:buNone/>
             </a:pPr>
-            <a:endParaRPr lang="en-US" sz="2800" b="0" dirty="0">
+            <a:r>
+              <a:rPr lang="en-US" altLang="en-US" sz="2200" dirty="0">
+                <a:solidFill>
+                  <a:srgbClr val="999999"/>
+                </a:solidFill>
+                <a:latin typeface="Consolas" panose="020B0609020204030204" pitchFamily="49" charset="0"/>
+              </a:rPr>
+              <a:t>	</a:t>
+            </a:r>
+            <a:r>
+              <a:rPr kumimoji="0" lang="en-US" altLang="en-US" sz="2200" b="0" i="0" u="none" strike="noStrike" cap="none" normalizeH="0" baseline="0" dirty="0">
+                <a:ln>
+                  <a:noFill/>
+                </a:ln>
+                <a:solidFill>
+                  <a:srgbClr val="333333"/>
+                </a:solidFill>
+                <a:effectLst/>
+                <a:latin typeface="Consolas" panose="020B0609020204030204" pitchFamily="49" charset="0"/>
+              </a:rPr>
+              <a:t> </a:t>
+            </a:r>
+            <a:r>
+              <a:rPr kumimoji="0" lang="en-US" altLang="en-US" sz="2200" b="0" i="0" u="none" strike="noStrike" cap="none" normalizeH="0" baseline="0" dirty="0">
+                <a:ln>
+                  <a:noFill/>
+                </a:ln>
+                <a:solidFill>
+                  <a:srgbClr val="999999"/>
+                </a:solidFill>
+                <a:effectLst/>
+                <a:latin typeface="Consolas" panose="020B0609020204030204" pitchFamily="49" charset="0"/>
+              </a:rPr>
+              <a:t>&lt;/</a:t>
+            </a:r>
+            <a:r>
+              <a:rPr kumimoji="0" lang="en-US" altLang="en-US" sz="2200" b="0" i="0" u="none" strike="noStrike" cap="none" normalizeH="0" baseline="0" dirty="0">
+                <a:ln>
+                  <a:noFill/>
+                </a:ln>
+                <a:solidFill>
+                  <a:srgbClr val="990055"/>
+                </a:solidFill>
+                <a:effectLst/>
+                <a:latin typeface="Consolas" panose="020B0609020204030204" pitchFamily="49" charset="0"/>
+              </a:rPr>
+              <a:t>head</a:t>
+            </a:r>
+            <a:r>
+              <a:rPr kumimoji="0" lang="en-US" altLang="en-US" sz="2200" b="0" i="0" u="none" strike="noStrike" cap="none" normalizeH="0" baseline="0" dirty="0">
+                <a:ln>
+                  <a:noFill/>
+                </a:ln>
+                <a:solidFill>
+                  <a:srgbClr val="999999"/>
+                </a:solidFill>
+                <a:effectLst/>
+                <a:latin typeface="Consolas" panose="020B0609020204030204" pitchFamily="49" charset="0"/>
+              </a:rPr>
+              <a:t>&gt;</a:t>
+            </a:r>
+          </a:p>
+          <a:p>
+            <a:pPr marL="400050" lvl="1" indent="0" defTabSz="914400" eaLnBrk="0" fontAlgn="base" hangingPunct="0">
+              <a:spcBef>
+                <a:spcPct val="0"/>
+              </a:spcBef>
+              <a:spcAft>
+                <a:spcPct val="0"/>
+              </a:spcAft>
+              <a:buClrTx/>
+              <a:buSzTx/>
+              <a:buNone/>
+            </a:pPr>
+            <a:r>
+              <a:rPr lang="en-US" altLang="en-US" sz="2200" dirty="0">
+                <a:solidFill>
+                  <a:srgbClr val="999999"/>
+                </a:solidFill>
+                <a:latin typeface="Consolas" panose="020B0609020204030204" pitchFamily="49" charset="0"/>
+              </a:rPr>
+              <a:t>	</a:t>
+            </a:r>
+            <a:r>
+              <a:rPr kumimoji="0" lang="en-US" altLang="en-US" sz="2200" b="0" i="0" u="none" strike="noStrike" cap="none" normalizeH="0" baseline="0" dirty="0">
+                <a:ln>
+                  <a:noFill/>
+                </a:ln>
+                <a:solidFill>
+                  <a:srgbClr val="333333"/>
+                </a:solidFill>
+                <a:effectLst/>
+                <a:latin typeface="Consolas" panose="020B0609020204030204" pitchFamily="49" charset="0"/>
+              </a:rPr>
+              <a:t> </a:t>
+            </a:r>
+            <a:r>
+              <a:rPr kumimoji="0" lang="en-US" altLang="en-US" sz="2200" b="0" i="0" u="none" strike="noStrike" cap="none" normalizeH="0" baseline="0" dirty="0">
+                <a:ln>
+                  <a:noFill/>
+                </a:ln>
+                <a:solidFill>
+                  <a:srgbClr val="999999"/>
+                </a:solidFill>
+                <a:effectLst/>
+                <a:latin typeface="Consolas" panose="020B0609020204030204" pitchFamily="49" charset="0"/>
+              </a:rPr>
+              <a:t>&lt;</a:t>
+            </a:r>
+            <a:r>
+              <a:rPr kumimoji="0" lang="en-US" altLang="en-US" sz="2200" b="0" i="0" u="none" strike="noStrike" cap="none" normalizeH="0" baseline="0" dirty="0">
+                <a:ln>
+                  <a:noFill/>
+                </a:ln>
+                <a:solidFill>
+                  <a:srgbClr val="990055"/>
+                </a:solidFill>
+                <a:effectLst/>
+                <a:latin typeface="Consolas" panose="020B0609020204030204" pitchFamily="49" charset="0"/>
+              </a:rPr>
+              <a:t>body</a:t>
+            </a:r>
+            <a:r>
+              <a:rPr kumimoji="0" lang="en-US" altLang="en-US" sz="2200" b="0" i="0" u="none" strike="noStrike" cap="none" normalizeH="0" baseline="0" dirty="0">
+                <a:ln>
+                  <a:noFill/>
+                </a:ln>
+                <a:solidFill>
+                  <a:srgbClr val="999999"/>
+                </a:solidFill>
+                <a:effectLst/>
+                <a:latin typeface="Consolas" panose="020B0609020204030204" pitchFamily="49" charset="0"/>
+              </a:rPr>
+              <a:t>&gt;</a:t>
+            </a:r>
+          </a:p>
+          <a:p>
+            <a:pPr marL="400050" lvl="1" indent="0" defTabSz="914400" eaLnBrk="0" fontAlgn="base" hangingPunct="0">
+              <a:spcBef>
+                <a:spcPct val="0"/>
+              </a:spcBef>
+              <a:spcAft>
+                <a:spcPct val="0"/>
+              </a:spcAft>
+              <a:buClrTx/>
+              <a:buSzTx/>
+              <a:buNone/>
+            </a:pPr>
+            <a:r>
+              <a:rPr kumimoji="0" lang="en-US" altLang="en-US" sz="2200" b="0" i="0" u="none" strike="noStrike" cap="none" normalizeH="0" baseline="0" dirty="0">
+                <a:ln>
+                  <a:noFill/>
+                </a:ln>
+                <a:solidFill>
+                  <a:srgbClr val="333333"/>
+                </a:solidFill>
+                <a:effectLst/>
+                <a:latin typeface="Consolas" panose="020B0609020204030204" pitchFamily="49" charset="0"/>
+              </a:rPr>
+              <a:t>		 </a:t>
+            </a:r>
+            <a:r>
+              <a:rPr lang="en-US" altLang="en-US" sz="2200" dirty="0">
+                <a:solidFill>
+                  <a:srgbClr val="999999"/>
+                </a:solidFill>
+                <a:latin typeface="Consolas" panose="020B0609020204030204" pitchFamily="49" charset="0"/>
+              </a:rPr>
+              <a:t>&lt;</a:t>
+            </a:r>
+            <a:r>
+              <a:rPr lang="en-US" altLang="en-US" sz="2200" dirty="0">
+                <a:solidFill>
+                  <a:srgbClr val="990055"/>
+                </a:solidFill>
+                <a:latin typeface="Consolas" panose="020B0609020204030204" pitchFamily="49" charset="0"/>
+              </a:rPr>
+              <a:t>h1</a:t>
+            </a:r>
+            <a:r>
+              <a:rPr lang="en-US" altLang="en-US" sz="2200" dirty="0">
+                <a:solidFill>
+                  <a:srgbClr val="999999"/>
+                </a:solidFill>
+                <a:latin typeface="Consolas" panose="020B0609020204030204" pitchFamily="49" charset="0"/>
+              </a:rPr>
+              <a:t>&gt;</a:t>
+            </a:r>
+            <a:r>
+              <a:rPr kumimoji="0" lang="en-US" altLang="en-US" sz="2200" b="0" i="0" u="none" strike="noStrike" cap="none" normalizeH="0" baseline="0" dirty="0">
+                <a:ln>
+                  <a:noFill/>
+                </a:ln>
+                <a:solidFill>
+                  <a:schemeClr val="bg1"/>
+                </a:solidFill>
+                <a:effectLst/>
+                <a:latin typeface="Consolas" panose="020B0609020204030204" pitchFamily="49" charset="0"/>
+              </a:rPr>
+              <a:t>This is a page</a:t>
+            </a:r>
+            <a:r>
+              <a:rPr lang="en-US" altLang="en-US" sz="2200" dirty="0">
+                <a:solidFill>
+                  <a:srgbClr val="999999"/>
+                </a:solidFill>
+                <a:latin typeface="Consolas" panose="020B0609020204030204" pitchFamily="49" charset="0"/>
+              </a:rPr>
+              <a:t>&lt;/</a:t>
+            </a:r>
+            <a:r>
+              <a:rPr lang="en-US" altLang="en-US" sz="2200" dirty="0">
+                <a:solidFill>
+                  <a:srgbClr val="990055"/>
+                </a:solidFill>
+                <a:latin typeface="Consolas" panose="020B0609020204030204" pitchFamily="49" charset="0"/>
+              </a:rPr>
+              <a:t>h1</a:t>
+            </a:r>
+            <a:r>
+              <a:rPr lang="en-US" altLang="en-US" sz="2200" dirty="0">
+                <a:solidFill>
+                  <a:srgbClr val="999999"/>
+                </a:solidFill>
+                <a:latin typeface="Consolas" panose="020B0609020204030204" pitchFamily="49" charset="0"/>
+              </a:rPr>
+              <a:t>&gt;</a:t>
+            </a:r>
+            <a:endParaRPr kumimoji="0" lang="en-US" altLang="en-US" sz="2200" b="0" i="0" u="none" strike="noStrike" cap="none" normalizeH="0" baseline="0" dirty="0">
+              <a:ln>
+                <a:noFill/>
+              </a:ln>
               <a:solidFill>
-                <a:srgbClr val="D4D4D4"/>
+                <a:srgbClr val="333333"/>
               </a:solidFill>
               <a:effectLst/>
               <a:latin typeface="Consolas" panose="020B0609020204030204" pitchFamily="49" charset="0"/>
             </a:endParaRPr>
           </a:p>
+          <a:p>
+            <a:pPr marL="400050" lvl="1" indent="0" defTabSz="914400" eaLnBrk="0" fontAlgn="base" hangingPunct="0">
+              <a:spcBef>
+                <a:spcPct val="0"/>
+              </a:spcBef>
+              <a:spcAft>
+                <a:spcPct val="0"/>
+              </a:spcAft>
+              <a:buClrTx/>
+              <a:buSzTx/>
+              <a:buNone/>
+            </a:pPr>
+            <a:r>
+              <a:rPr lang="en-US" altLang="en-US" sz="2200" dirty="0">
+                <a:solidFill>
+                  <a:srgbClr val="333333"/>
+                </a:solidFill>
+                <a:latin typeface="Consolas" panose="020B0609020204030204" pitchFamily="49" charset="0"/>
+              </a:rPr>
+              <a:t>		 </a:t>
+            </a:r>
+            <a:r>
+              <a:rPr lang="en-US" altLang="en-US" sz="2200" dirty="0">
+                <a:solidFill>
+                  <a:srgbClr val="999999"/>
+                </a:solidFill>
+                <a:latin typeface="Consolas" panose="020B0609020204030204" pitchFamily="49" charset="0"/>
+              </a:rPr>
+              <a:t>&lt;</a:t>
+            </a:r>
+            <a:r>
+              <a:rPr lang="en-US" altLang="en-US" sz="2200" dirty="0">
+                <a:solidFill>
+                  <a:srgbClr val="990055"/>
+                </a:solidFill>
+                <a:latin typeface="Consolas" panose="020B0609020204030204" pitchFamily="49" charset="0"/>
+              </a:rPr>
+              <a:t>p</a:t>
+            </a:r>
+            <a:r>
+              <a:rPr lang="en-US" altLang="en-US" sz="2200" dirty="0">
+                <a:solidFill>
+                  <a:srgbClr val="999999"/>
+                </a:solidFill>
+                <a:latin typeface="Consolas" panose="020B0609020204030204" pitchFamily="49" charset="0"/>
+              </a:rPr>
+              <a:t>&gt;</a:t>
+            </a:r>
+            <a:r>
+              <a:rPr kumimoji="0" lang="en-US" altLang="en-US" sz="2200" b="0" i="0" u="none" strike="noStrike" cap="none" normalizeH="0" baseline="0" dirty="0">
+                <a:ln>
+                  <a:noFill/>
+                </a:ln>
+                <a:solidFill>
+                  <a:schemeClr val="bg1"/>
+                </a:solidFill>
+                <a:effectLst/>
+                <a:latin typeface="Consolas" panose="020B0609020204030204" pitchFamily="49" charset="0"/>
+              </a:rPr>
+              <a:t>a very simple page</a:t>
+            </a:r>
+            <a:r>
+              <a:rPr lang="en-US" altLang="en-US" sz="2200" dirty="0">
+                <a:solidFill>
+                  <a:srgbClr val="999999"/>
+                </a:solidFill>
+                <a:latin typeface="Consolas" panose="020B0609020204030204" pitchFamily="49" charset="0"/>
+              </a:rPr>
+              <a:t>&lt;/</a:t>
+            </a:r>
+            <a:r>
+              <a:rPr lang="en-US" altLang="en-US" sz="2200" dirty="0">
+                <a:solidFill>
+                  <a:srgbClr val="990055"/>
+                </a:solidFill>
+                <a:latin typeface="Consolas" panose="020B0609020204030204" pitchFamily="49" charset="0"/>
+              </a:rPr>
+              <a:t>p</a:t>
+            </a:r>
+            <a:r>
+              <a:rPr lang="en-US" altLang="en-US" sz="2200" dirty="0">
+                <a:solidFill>
+                  <a:srgbClr val="999999"/>
+                </a:solidFill>
+                <a:latin typeface="Consolas" panose="020B0609020204030204" pitchFamily="49" charset="0"/>
+              </a:rPr>
+              <a:t>&gt;</a:t>
+            </a:r>
+            <a:r>
+              <a:rPr kumimoji="0" lang="en-US" altLang="en-US" sz="2200" b="0" i="0" u="none" strike="noStrike" cap="none" normalizeH="0" baseline="0" dirty="0">
+                <a:ln>
+                  <a:noFill/>
+                </a:ln>
+                <a:solidFill>
+                  <a:srgbClr val="333333"/>
+                </a:solidFill>
+                <a:effectLst/>
+                <a:latin typeface="Consolas" panose="020B0609020204030204" pitchFamily="49" charset="0"/>
+              </a:rPr>
+              <a:t> </a:t>
+            </a:r>
+          </a:p>
+          <a:p>
+            <a:pPr marL="400050" lvl="1" indent="0" defTabSz="914400" eaLnBrk="0" fontAlgn="base" hangingPunct="0">
+              <a:spcBef>
+                <a:spcPct val="0"/>
+              </a:spcBef>
+              <a:spcAft>
+                <a:spcPct val="0"/>
+              </a:spcAft>
+              <a:buClrTx/>
+              <a:buSzTx/>
+              <a:buNone/>
+            </a:pPr>
+            <a:r>
+              <a:rPr lang="en-US" altLang="en-US" sz="2200" dirty="0">
+                <a:solidFill>
+                  <a:srgbClr val="333333"/>
+                </a:solidFill>
+                <a:latin typeface="Consolas" panose="020B0609020204030204" pitchFamily="49" charset="0"/>
+              </a:rPr>
+              <a:t>	</a:t>
+            </a:r>
+            <a:r>
+              <a:rPr kumimoji="0" lang="en-US" altLang="en-US" sz="2200" b="0" i="0" u="none" strike="noStrike" cap="none" normalizeH="0" baseline="0" dirty="0">
+                <a:ln>
+                  <a:noFill/>
+                </a:ln>
+                <a:solidFill>
+                  <a:srgbClr val="999999"/>
+                </a:solidFill>
+                <a:effectLst/>
+                <a:latin typeface="Consolas" panose="020B0609020204030204" pitchFamily="49" charset="0"/>
+              </a:rPr>
+              <a:t>&lt;/</a:t>
+            </a:r>
+            <a:r>
+              <a:rPr kumimoji="0" lang="en-US" altLang="en-US" sz="2200" b="0" i="0" u="none" strike="noStrike" cap="none" normalizeH="0" baseline="0" dirty="0">
+                <a:ln>
+                  <a:noFill/>
+                </a:ln>
+                <a:solidFill>
+                  <a:srgbClr val="990055"/>
+                </a:solidFill>
+                <a:effectLst/>
+                <a:latin typeface="Consolas" panose="020B0609020204030204" pitchFamily="49" charset="0"/>
+              </a:rPr>
+              <a:t>body</a:t>
+            </a:r>
+            <a:r>
+              <a:rPr kumimoji="0" lang="en-US" altLang="en-US" sz="2200" b="0" i="0" u="none" strike="noStrike" cap="none" normalizeH="0" baseline="0" dirty="0">
+                <a:ln>
+                  <a:noFill/>
+                </a:ln>
+                <a:solidFill>
+                  <a:srgbClr val="999999"/>
+                </a:solidFill>
+                <a:effectLst/>
+                <a:latin typeface="Consolas" panose="020B0609020204030204" pitchFamily="49" charset="0"/>
+              </a:rPr>
+              <a:t>&gt;</a:t>
+            </a:r>
+          </a:p>
+          <a:p>
+            <a:pPr marL="400050" lvl="1" indent="0" defTabSz="914400" eaLnBrk="0" fontAlgn="base" hangingPunct="0">
+              <a:spcBef>
+                <a:spcPct val="0"/>
+              </a:spcBef>
+              <a:spcAft>
+                <a:spcPct val="0"/>
+              </a:spcAft>
+              <a:buClrTx/>
+              <a:buSzTx/>
+              <a:buNone/>
+            </a:pPr>
+            <a:r>
+              <a:rPr kumimoji="0" lang="en-US" altLang="en-US" sz="2200" b="0" i="0" u="none" strike="noStrike" cap="none" normalizeH="0" baseline="0" dirty="0">
+                <a:ln>
+                  <a:noFill/>
+                </a:ln>
+                <a:solidFill>
+                  <a:srgbClr val="999999"/>
+                </a:solidFill>
+                <a:effectLst/>
+                <a:latin typeface="Consolas" panose="020B0609020204030204" pitchFamily="49" charset="0"/>
+              </a:rPr>
+              <a:t>&lt;/</a:t>
+            </a:r>
+            <a:r>
+              <a:rPr kumimoji="0" lang="en-US" altLang="en-US" sz="2200" b="0" i="0" u="none" strike="noStrike" cap="none" normalizeH="0" baseline="0" dirty="0">
+                <a:ln>
+                  <a:noFill/>
+                </a:ln>
+                <a:solidFill>
+                  <a:srgbClr val="990055"/>
+                </a:solidFill>
+                <a:effectLst/>
+                <a:latin typeface="Consolas" panose="020B0609020204030204" pitchFamily="49" charset="0"/>
+              </a:rPr>
+              <a:t>html</a:t>
+            </a:r>
+            <a:r>
+              <a:rPr kumimoji="0" lang="en-US" altLang="en-US" sz="2200" b="0" i="0" u="none" strike="noStrike" cap="none" normalizeH="0" baseline="0" dirty="0">
+                <a:ln>
+                  <a:noFill/>
+                </a:ln>
+                <a:solidFill>
+                  <a:srgbClr val="999999"/>
+                </a:solidFill>
+                <a:effectLst/>
+                <a:latin typeface="Consolas" panose="020B0609020204030204" pitchFamily="49" charset="0"/>
+              </a:rPr>
+              <a:t>&gt;</a:t>
+            </a:r>
+            <a:r>
+              <a:rPr kumimoji="0" lang="en-US" altLang="en-US" sz="2200" b="0" i="0" u="none" strike="noStrike" cap="none" normalizeH="0" baseline="0" dirty="0">
+                <a:ln>
+                  <a:noFill/>
+                </a:ln>
+                <a:solidFill>
+                  <a:schemeClr val="tx1"/>
+                </a:solidFill>
+                <a:effectLst/>
+              </a:rPr>
+              <a:t> </a:t>
+            </a:r>
+            <a:endParaRPr kumimoji="0" lang="en-US" altLang="en-US" sz="2200" b="0" i="0" u="none" strike="noStrike" cap="none" normalizeH="0" baseline="0" dirty="0">
+              <a:ln>
+                <a:noFill/>
+              </a:ln>
+              <a:solidFill>
+                <a:schemeClr val="tx1"/>
+              </a:solidFill>
+              <a:effectLst/>
+              <a:latin typeface="Arial" panose="020B0604020202020204" pitchFamily="34" charset="0"/>
+            </a:endParaRPr>
+          </a:p>
         </p:txBody>
       </p:sp>
     </p:spTree>
     <p:extLst>
       <p:ext uri="{BB962C8B-B14F-4D97-AF65-F5344CB8AC3E}">
-        <p14:creationId xmlns:p14="http://schemas.microsoft.com/office/powerpoint/2010/main" val="3502024604"/>
+        <p14:creationId xmlns:p14="http://schemas.microsoft.com/office/powerpoint/2010/main" val="3691729511"/>
       </p:ext>
     </p:extLst>
   </p:cSld>
@@ -7655,7 +7874,7 @@
           <p:cNvPr id="2" name="Title 1">
             <a:extLst>
               <a:ext uri="{FF2B5EF4-FFF2-40B4-BE49-F238E27FC236}">
-                <a16:creationId xmlns:a16="http://schemas.microsoft.com/office/drawing/2014/main" id="{F8ACD507-81DC-4F14-845F-A194AA09CE5F}"/>
+                <a16:creationId xmlns:a16="http://schemas.microsoft.com/office/drawing/2014/main" id="{63FE98C3-1098-4903-9953-D276D3CB39A8}"/>
               </a:ext>
             </a:extLst>
           </p:cNvPr>
@@ -7666,47 +7885,164 @@
             <p:ph type="title"/>
           </p:nvPr>
         </p:nvSpPr>
-        <p:spPr>
+        <p:spPr/>
+        <p:txBody>
+          <a:bodyPr/>
+          <a:lstStyle/>
+          <a:p>
+            <a:pPr algn="ctr"/>
+            <a:r>
+              <a:rPr lang="en-US" dirty="0">
+                <a:solidFill>
+                  <a:schemeClr val="accent2"/>
+                </a:solidFill>
+              </a:rPr>
+              <a:t>Style the page</a:t>
+            </a:r>
+          </a:p>
+        </p:txBody>
+      </p:sp>
+      <p:sp>
+        <p:nvSpPr>
+          <p:cNvPr id="6" name="Rectangle 1">
+            <a:extLst>
+              <a:ext uri="{FF2B5EF4-FFF2-40B4-BE49-F238E27FC236}">
+                <a16:creationId xmlns:a16="http://schemas.microsoft.com/office/drawing/2014/main" id="{917F105A-C7B9-453C-A93C-5EA91B0F5E98}"/>
+              </a:ext>
+            </a:extLst>
+          </p:cNvPr>
+          <p:cNvSpPr>
+            <a:spLocks noGrp="1" noChangeArrowheads="1"/>
+          </p:cNvSpPr>
+          <p:nvPr>
+            <p:ph idx="1"/>
+          </p:nvPr>
+        </p:nvSpPr>
+        <p:spPr bwMode="auto">
           <a:xfrm>
-            <a:off x="1180254" y="2768600"/>
-            <a:ext cx="8596668" cy="1320800"/>
+            <a:off x="677334" y="3372575"/>
+            <a:ext cx="8901006" cy="1456809"/>
           </a:xfrm>
+          <a:prstGeom prst="rect">
+            <a:avLst/>
+          </a:prstGeom>
+          <a:solidFill>
+            <a:schemeClr val="tx1"/>
+          </a:solidFill>
+          <a:ln>
+            <a:noFill/>
+          </a:ln>
+          <a:effectLst/>
         </p:spPr>
         <p:txBody>
-          <a:bodyPr>
-            <a:normAutofit/>
+          <a:bodyPr vert="horz" wrap="square" lIns="0" tIns="0" rIns="0" bIns="0" numCol="1" anchor="ctr" anchorCtr="0" compatLnSpc="1">
+            <a:prstTxWarp prst="textNoShape">
+              <a:avLst/>
+            </a:prstTxWarp>
+            <a:spAutoFit/>
           </a:bodyPr>
           <a:lstStyle/>
           <a:p>
-            <a:pPr algn="ctr"/>
-            <a:r>
-              <a:rPr lang="en-US" sz="3200" dirty="0">
-                <a:solidFill>
-                  <a:schemeClr val="accent2"/>
-                </a:solidFill>
-              </a:rPr>
-              <a:t>Relation between programming </a:t>
-            </a:r>
-            <a:r>
-              <a:rPr lang="en-US" sz="3200">
-                <a:solidFill>
-                  <a:schemeClr val="accent2"/>
-                </a:solidFill>
-              </a:rPr>
-              <a:t>and design</a:t>
-            </a:r>
-            <a:endParaRPr lang="en-US" sz="3200" dirty="0">
-              <a:solidFill>
-                <a:schemeClr val="accent2"/>
-              </a:solidFill>
-            </a:endParaRPr>
+            <a:pPr marL="400050" lvl="1" indent="0">
+              <a:buNone/>
+            </a:pPr>
+            <a:r>
+              <a:rPr lang="en-US" sz="2600" b="0" dirty="0">
+                <a:solidFill>
+                  <a:srgbClr val="D7BA7D"/>
+                </a:solidFill>
+                <a:effectLst/>
+                <a:latin typeface="Consolas" panose="020B0609020204030204" pitchFamily="49" charset="0"/>
+              </a:rPr>
+              <a:t>h1</a:t>
+            </a:r>
+            <a:r>
+              <a:rPr lang="en-US" sz="2600" b="0" dirty="0">
+                <a:solidFill>
+                  <a:srgbClr val="D4D4D4"/>
+                </a:solidFill>
+                <a:effectLst/>
+                <a:latin typeface="Consolas" panose="020B0609020204030204" pitchFamily="49" charset="0"/>
+              </a:rPr>
+              <a:t> {</a:t>
+            </a:r>
+          </a:p>
+          <a:p>
+            <a:pPr marL="400050" lvl="1" indent="0">
+              <a:buNone/>
+            </a:pPr>
+            <a:r>
+              <a:rPr lang="en-US" sz="2600" b="0" dirty="0">
+                <a:solidFill>
+                  <a:srgbClr val="D4D4D4"/>
+                </a:solidFill>
+                <a:effectLst/>
+                <a:latin typeface="Consolas" panose="020B0609020204030204" pitchFamily="49" charset="0"/>
+              </a:rPr>
+              <a:t>        </a:t>
+            </a:r>
+            <a:r>
+              <a:rPr lang="en-US" sz="2600" b="0" dirty="0">
+                <a:solidFill>
+                  <a:srgbClr val="9CDCFE"/>
+                </a:solidFill>
+                <a:effectLst/>
+                <a:latin typeface="Consolas" panose="020B0609020204030204" pitchFamily="49" charset="0"/>
+              </a:rPr>
+              <a:t>color</a:t>
+            </a:r>
+            <a:r>
+              <a:rPr lang="en-US" sz="2600" b="0" dirty="0">
+                <a:solidFill>
+                  <a:srgbClr val="D4D4D4"/>
+                </a:solidFill>
+                <a:effectLst/>
+                <a:latin typeface="Consolas" panose="020B0609020204030204" pitchFamily="49" charset="0"/>
+              </a:rPr>
+              <a:t>: </a:t>
+            </a:r>
+            <a:r>
+              <a:rPr lang="en-US" sz="2600" b="0" dirty="0">
+                <a:solidFill>
+                  <a:srgbClr val="CE9178"/>
+                </a:solidFill>
+                <a:effectLst/>
+                <a:latin typeface="Consolas" panose="020B0609020204030204" pitchFamily="49" charset="0"/>
+              </a:rPr>
+              <a:t>red</a:t>
+            </a:r>
+            <a:r>
+              <a:rPr lang="en-US" sz="2600" b="0" dirty="0">
+                <a:solidFill>
+                  <a:srgbClr val="D4D4D4"/>
+                </a:solidFill>
+                <a:effectLst/>
+                <a:latin typeface="Consolas" panose="020B0609020204030204" pitchFamily="49" charset="0"/>
+              </a:rPr>
+              <a:t>;</a:t>
+            </a:r>
+          </a:p>
+          <a:p>
+            <a:pPr marL="400050" lvl="1" indent="0">
+              <a:buNone/>
+            </a:pPr>
+            <a:r>
+              <a:rPr lang="en-US" sz="2600" b="0" dirty="0">
+                <a:solidFill>
+                  <a:srgbClr val="D4D4D4"/>
+                </a:solidFill>
+                <a:effectLst/>
+                <a:latin typeface="Consolas" panose="020B0609020204030204" pitchFamily="49" charset="0"/>
+              </a:rPr>
+              <a:t>}</a:t>
+            </a:r>
           </a:p>
         </p:txBody>
       </p:sp>
     </p:spTree>
     <p:extLst>
       <p:ext uri="{BB962C8B-B14F-4D97-AF65-F5344CB8AC3E}">
-        <p14:creationId xmlns:p14="http://schemas.microsoft.com/office/powerpoint/2010/main" val="4096190788"/>
+        <p14:creationId xmlns:p14="http://schemas.microsoft.com/office/powerpoint/2010/main" val="1118811387"/>
       </p:ext>
     </p:extLst>
   </p:cSld>
@@ -7738,7 +8074,7 @@
           <p:cNvPr id="2" name="Title 1">
             <a:extLst>
               <a:ext uri="{FF2B5EF4-FFF2-40B4-BE49-F238E27FC236}">
-                <a16:creationId xmlns:a16="http://schemas.microsoft.com/office/drawing/2014/main" id="{12BCCE3A-5785-426C-AB32-3F601A2B2699}"/>
+                <a16:creationId xmlns:a16="http://schemas.microsoft.com/office/drawing/2014/main" id="{3880FE57-E9F5-45C8-981E-F3E9264316BE}"/>
               </a:ext>
             </a:extLst>
           </p:cNvPr>
@@ -7750,6 +8086,508 @@
           </p:nvPr>
         </p:nvSpPr>
         <p:spPr/>
+        <p:txBody>
+          <a:bodyPr/>
+          <a:lstStyle/>
+          <a:p>
+            <a:pPr algn="ctr"/>
+            <a:r>
+              <a:rPr lang="en-US" dirty="0">
+                <a:solidFill>
+                  <a:schemeClr val="accent2"/>
+                </a:solidFill>
+              </a:rPr>
+              <a:t>Script it</a:t>
+            </a:r>
+          </a:p>
+        </p:txBody>
+      </p:sp>
+      <p:sp>
+        <p:nvSpPr>
+          <p:cNvPr id="4" name="Rectangle 1">
+            <a:extLst>
+              <a:ext uri="{FF2B5EF4-FFF2-40B4-BE49-F238E27FC236}">
+                <a16:creationId xmlns:a16="http://schemas.microsoft.com/office/drawing/2014/main" id="{5C7EA887-9F0C-420A-8BEC-E756D7936E4E}"/>
+              </a:ext>
+            </a:extLst>
+          </p:cNvPr>
+          <p:cNvSpPr txBox="1">
+            <a:spLocks noChangeArrowheads="1"/>
+          </p:cNvSpPr>
+          <p:nvPr/>
+        </p:nvSpPr>
+        <p:spPr bwMode="auto">
+          <a:xfrm>
+            <a:off x="677334" y="3023763"/>
+            <a:ext cx="8901006" cy="2154436"/>
+          </a:xfrm>
+          <a:prstGeom prst="rect">
+            <a:avLst/>
+          </a:prstGeom>
+          <a:solidFill>
+            <a:schemeClr val="tx1"/>
+          </a:solidFill>
+          <a:ln>
+            <a:noFill/>
+          </a:ln>
+          <a:effectLst/>
+        </p:spPr>
+        <p:txBody>
+          <a:bodyPr vert="horz" wrap="square" lIns="0" tIns="0" rIns="0" bIns="0" numCol="1" rtlCol="0" anchor="ctr" anchorCtr="0" compatLnSpc="1">
+            <a:prstTxWarp prst="textNoShape">
+              <a:avLst/>
+            </a:prstTxWarp>
+            <a:spAutoFit/>
+          </a:bodyPr>
+          <a:lstStyle>
+            <a:lvl1pPr marL="342900" indent="-342900" algn="l" defTabSz="457200" rtl="0" eaLnBrk="1" latinLnBrk="0" hangingPunct="1">
+              <a:spcBef>
+                <a:spcPts val="1000"/>
+              </a:spcBef>
+              <a:spcAft>
+                <a:spcPts val="0"/>
+              </a:spcAft>
+              <a:buClr>
+                <a:schemeClr val="accent1"/>
+              </a:buClr>
+              <a:buSzPct val="80000"/>
+              <a:buFont typeface="Wingdings 3" charset="2"/>
+              <a:buChar char=""/>
+              <a:defRPr sz="1800" kern="1200">
+                <a:solidFill>
+                  <a:schemeClr val="tx1">
+                    <a:lumMod val="75000"/>
+                    <a:lumOff val="25000"/>
+                  </a:schemeClr>
+                </a:solidFill>
+                <a:latin typeface="+mn-lt"/>
+                <a:ea typeface="+mn-ea"/>
+                <a:cs typeface="+mn-cs"/>
+              </a:defRPr>
+            </a:lvl1pPr>
+            <a:lvl2pPr marL="742950" indent="-285750" algn="l" defTabSz="457200" rtl="0" eaLnBrk="1" latinLnBrk="0" hangingPunct="1">
+              <a:spcBef>
+                <a:spcPts val="1000"/>
+              </a:spcBef>
+              <a:spcAft>
+                <a:spcPts val="0"/>
+              </a:spcAft>
+              <a:buClr>
+                <a:schemeClr val="accent1"/>
+              </a:buClr>
+              <a:buSzPct val="80000"/>
+              <a:buFont typeface="Wingdings 3" charset="2"/>
+              <a:buChar char=""/>
+              <a:defRPr sz="1600" kern="1200">
+                <a:solidFill>
+                  <a:schemeClr val="tx1">
+                    <a:lumMod val="75000"/>
+                    <a:lumOff val="25000"/>
+                  </a:schemeClr>
+                </a:solidFill>
+                <a:latin typeface="+mn-lt"/>
+                <a:ea typeface="+mn-ea"/>
+                <a:cs typeface="+mn-cs"/>
+              </a:defRPr>
+            </a:lvl2pPr>
+            <a:lvl3pPr marL="1143000" indent="-228600" algn="l" defTabSz="457200" rtl="0" eaLnBrk="1" latinLnBrk="0" hangingPunct="1">
+              <a:spcBef>
+                <a:spcPts val="1000"/>
+              </a:spcBef>
+              <a:spcAft>
+                <a:spcPts val="0"/>
+              </a:spcAft>
+              <a:buClr>
+                <a:schemeClr val="accent1"/>
+              </a:buClr>
+              <a:buSzPct val="80000"/>
+              <a:buFont typeface="Wingdings 3" charset="2"/>
+              <a:buChar char=""/>
+              <a:defRPr sz="1400" kern="1200">
+                <a:solidFill>
+                  <a:schemeClr val="tx1">
+                    <a:lumMod val="75000"/>
+                    <a:lumOff val="25000"/>
+                  </a:schemeClr>
+                </a:solidFill>
+                <a:latin typeface="+mn-lt"/>
+                <a:ea typeface="+mn-ea"/>
+                <a:cs typeface="+mn-cs"/>
+              </a:defRPr>
+            </a:lvl3pPr>
+            <a:lvl4pPr marL="1600200" indent="-228600" algn="l" defTabSz="457200" rtl="0" eaLnBrk="1" latinLnBrk="0" hangingPunct="1">
+              <a:spcBef>
+                <a:spcPts val="1000"/>
+              </a:spcBef>
+              <a:spcAft>
+                <a:spcPts val="0"/>
+              </a:spcAft>
+              <a:buClr>
+                <a:schemeClr val="accent1"/>
+              </a:buClr>
+              <a:buSzPct val="80000"/>
+              <a:buFont typeface="Wingdings 3" charset="2"/>
+              <a:buChar char=""/>
+              <a:defRPr sz="1200" kern="1200">
+                <a:solidFill>
+                  <a:schemeClr val="tx1">
+                    <a:lumMod val="75000"/>
+                    <a:lumOff val="25000"/>
+                  </a:schemeClr>
+                </a:solidFill>
+                <a:latin typeface="+mn-lt"/>
+                <a:ea typeface="+mn-ea"/>
+                <a:cs typeface="+mn-cs"/>
+              </a:defRPr>
+            </a:lvl4pPr>
+            <a:lvl5pPr marL="2057400" indent="-228600" algn="l" defTabSz="457200" rtl="0" eaLnBrk="1" latinLnBrk="0" hangingPunct="1">
+              <a:spcBef>
+                <a:spcPts val="1000"/>
+              </a:spcBef>
+              <a:spcAft>
+                <a:spcPts val="0"/>
+              </a:spcAft>
+              <a:buClr>
+                <a:schemeClr val="accent1"/>
+              </a:buClr>
+              <a:buSzPct val="80000"/>
+              <a:buFont typeface="Wingdings 3" charset="2"/>
+              <a:buChar char=""/>
+              <a:defRPr sz="1200" kern="1200">
+                <a:solidFill>
+                  <a:schemeClr val="tx1">
+                    <a:lumMod val="75000"/>
+                    <a:lumOff val="25000"/>
+                  </a:schemeClr>
+                </a:solidFill>
+                <a:latin typeface="+mn-lt"/>
+                <a:ea typeface="+mn-ea"/>
+                <a:cs typeface="+mn-cs"/>
+              </a:defRPr>
+            </a:lvl5pPr>
+            <a:lvl6pPr marL="2514600" indent="-228600" algn="l" defTabSz="457200" rtl="0" eaLnBrk="1" latinLnBrk="0" hangingPunct="1">
+              <a:spcBef>
+                <a:spcPts val="1000"/>
+              </a:spcBef>
+              <a:spcAft>
+                <a:spcPts val="0"/>
+              </a:spcAft>
+              <a:buClr>
+                <a:schemeClr val="accent1"/>
+              </a:buClr>
+              <a:buSzPct val="80000"/>
+              <a:buFont typeface="Wingdings 3" charset="2"/>
+              <a:buChar char=""/>
+              <a:defRPr sz="1200" kern="1200">
+                <a:solidFill>
+                  <a:schemeClr val="tx1">
+                    <a:lumMod val="75000"/>
+                    <a:lumOff val="25000"/>
+                  </a:schemeClr>
+                </a:solidFill>
+                <a:latin typeface="+mn-lt"/>
+                <a:ea typeface="+mn-ea"/>
+                <a:cs typeface="+mn-cs"/>
+              </a:defRPr>
+            </a:lvl6pPr>
+            <a:lvl7pPr marL="2971800" indent="-228600" algn="l" defTabSz="457200" rtl="0" eaLnBrk="1" latinLnBrk="0" hangingPunct="1">
+              <a:spcBef>
+                <a:spcPts val="1000"/>
+              </a:spcBef>
+              <a:spcAft>
+                <a:spcPts val="0"/>
+              </a:spcAft>
+              <a:buClr>
+                <a:schemeClr val="accent1"/>
+              </a:buClr>
+              <a:buSzPct val="80000"/>
+              <a:buFont typeface="Wingdings 3" charset="2"/>
+              <a:buChar char=""/>
+              <a:defRPr sz="1200" kern="1200">
+                <a:solidFill>
+                  <a:schemeClr val="tx1">
+                    <a:lumMod val="75000"/>
+                    <a:lumOff val="25000"/>
+                  </a:schemeClr>
+                </a:solidFill>
+                <a:latin typeface="+mn-lt"/>
+                <a:ea typeface="+mn-ea"/>
+                <a:cs typeface="+mn-cs"/>
+              </a:defRPr>
+            </a:lvl7pPr>
+            <a:lvl8pPr marL="3429000" indent="-228600" algn="l" defTabSz="457200" rtl="0" eaLnBrk="1" latinLnBrk="0" hangingPunct="1">
+              <a:spcBef>
+                <a:spcPts val="1000"/>
+              </a:spcBef>
+              <a:spcAft>
+                <a:spcPts val="0"/>
+              </a:spcAft>
+              <a:buClr>
+                <a:schemeClr val="accent1"/>
+              </a:buClr>
+              <a:buSzPct val="80000"/>
+              <a:buFont typeface="Wingdings 3" charset="2"/>
+              <a:buChar char=""/>
+              <a:defRPr sz="1200" kern="1200">
+                <a:solidFill>
+                  <a:schemeClr val="tx1">
+                    <a:lumMod val="75000"/>
+                    <a:lumOff val="25000"/>
+                  </a:schemeClr>
+                </a:solidFill>
+                <a:latin typeface="+mn-lt"/>
+                <a:ea typeface="+mn-ea"/>
+                <a:cs typeface="+mn-cs"/>
+              </a:defRPr>
+            </a:lvl8pPr>
+            <a:lvl9pPr marL="3886200" indent="-228600" algn="l" defTabSz="457200" rtl="0" eaLnBrk="1" latinLnBrk="0" hangingPunct="1">
+              <a:spcBef>
+                <a:spcPts val="1000"/>
+              </a:spcBef>
+              <a:spcAft>
+                <a:spcPts val="0"/>
+              </a:spcAft>
+              <a:buClr>
+                <a:schemeClr val="accent1"/>
+              </a:buClr>
+              <a:buSzPct val="80000"/>
+              <a:buFont typeface="Wingdings 3" charset="2"/>
+              <a:buChar char=""/>
+              <a:defRPr sz="1200" kern="1200">
+                <a:solidFill>
+                  <a:schemeClr val="tx1">
+                    <a:lumMod val="75000"/>
+                    <a:lumOff val="25000"/>
+                  </a:schemeClr>
+                </a:solidFill>
+                <a:latin typeface="+mn-lt"/>
+                <a:ea typeface="+mn-ea"/>
+                <a:cs typeface="+mn-cs"/>
+              </a:defRPr>
+            </a:lvl9pPr>
+          </a:lstStyle>
+          <a:p>
+            <a:pPr marL="400050" lvl="1" indent="0" defTabSz="914400" eaLnBrk="0" fontAlgn="base" hangingPunct="0">
+              <a:spcBef>
+                <a:spcPct val="0"/>
+              </a:spcBef>
+              <a:spcAft>
+                <a:spcPct val="0"/>
+              </a:spcAft>
+              <a:buClrTx/>
+              <a:buSzTx/>
+              <a:buNone/>
+            </a:pPr>
+            <a:endParaRPr lang="en-US" sz="2800" b="0" dirty="0">
+              <a:solidFill>
+                <a:srgbClr val="D4D4D4"/>
+              </a:solidFill>
+              <a:effectLst/>
+              <a:latin typeface="Consolas" panose="020B0609020204030204" pitchFamily="49" charset="0"/>
+            </a:endParaRPr>
+          </a:p>
+          <a:p>
+            <a:pPr marL="400050" lvl="1" indent="0" defTabSz="914400" eaLnBrk="0" fontAlgn="base" hangingPunct="0">
+              <a:spcBef>
+                <a:spcPct val="0"/>
+              </a:spcBef>
+              <a:spcAft>
+                <a:spcPct val="0"/>
+              </a:spcAft>
+              <a:buClrTx/>
+              <a:buSzTx/>
+              <a:buNone/>
+            </a:pPr>
+            <a:endParaRPr lang="en-US" sz="2800" dirty="0">
+              <a:solidFill>
+                <a:srgbClr val="D4D4D4"/>
+              </a:solidFill>
+              <a:latin typeface="Consolas" panose="020B0609020204030204" pitchFamily="49" charset="0"/>
+            </a:endParaRPr>
+          </a:p>
+          <a:p>
+            <a:pPr marL="400050" lvl="1" indent="0" defTabSz="914400" eaLnBrk="0" fontAlgn="base" hangingPunct="0">
+              <a:spcBef>
+                <a:spcPct val="0"/>
+              </a:spcBef>
+              <a:spcAft>
+                <a:spcPct val="0"/>
+              </a:spcAft>
+              <a:buClrTx/>
+              <a:buSzTx/>
+              <a:buNone/>
+            </a:pPr>
+            <a:r>
+              <a:rPr lang="en-US" sz="2800" b="0" dirty="0">
+                <a:solidFill>
+                  <a:srgbClr val="D4D4D4"/>
+                </a:solidFill>
+                <a:effectLst/>
+                <a:latin typeface="Consolas" panose="020B0609020204030204" pitchFamily="49" charset="0"/>
+              </a:rPr>
+              <a:t>      </a:t>
+            </a:r>
+            <a:r>
+              <a:rPr lang="en-US" sz="2800" b="0" dirty="0">
+                <a:solidFill>
+                  <a:srgbClr val="9CDCFE"/>
+                </a:solidFill>
+                <a:effectLst/>
+                <a:latin typeface="Consolas" panose="020B0609020204030204" pitchFamily="49" charset="0"/>
+              </a:rPr>
+              <a:t>document</a:t>
+            </a:r>
+            <a:r>
+              <a:rPr lang="en-US" sz="2800" b="0" dirty="0">
+                <a:solidFill>
+                  <a:srgbClr val="D4D4D4"/>
+                </a:solidFill>
+                <a:effectLst/>
+                <a:latin typeface="Consolas" panose="020B0609020204030204" pitchFamily="49" charset="0"/>
+              </a:rPr>
+              <a:t>.</a:t>
+            </a:r>
+            <a:r>
+              <a:rPr lang="en-US" sz="2800" b="0" dirty="0">
+                <a:solidFill>
+                  <a:srgbClr val="DCDCAA"/>
+                </a:solidFill>
+                <a:effectLst/>
+                <a:latin typeface="Consolas" panose="020B0609020204030204" pitchFamily="49" charset="0"/>
+              </a:rPr>
+              <a:t>write</a:t>
+            </a:r>
+            <a:r>
+              <a:rPr lang="en-US" sz="2800" b="0" dirty="0">
+                <a:solidFill>
+                  <a:srgbClr val="D4D4D4"/>
+                </a:solidFill>
+                <a:effectLst/>
+                <a:latin typeface="Consolas" panose="020B0609020204030204" pitchFamily="49" charset="0"/>
+              </a:rPr>
+              <a:t>(</a:t>
+            </a:r>
+            <a:r>
+              <a:rPr lang="en-US" sz="2800" b="0" dirty="0">
+                <a:solidFill>
+                  <a:srgbClr val="CE9178"/>
+                </a:solidFill>
+                <a:effectLst/>
+                <a:latin typeface="Consolas" panose="020B0609020204030204" pitchFamily="49" charset="0"/>
+              </a:rPr>
+              <a:t>"hi"</a:t>
+            </a:r>
+            <a:r>
+              <a:rPr lang="en-US" sz="2800" b="0" dirty="0">
+                <a:solidFill>
+                  <a:srgbClr val="D4D4D4"/>
+                </a:solidFill>
+                <a:effectLst/>
+                <a:latin typeface="Consolas" panose="020B0609020204030204" pitchFamily="49" charset="0"/>
+              </a:rPr>
+              <a:t>);</a:t>
+            </a:r>
+            <a:endParaRPr lang="en-US" sz="2800" dirty="0">
+              <a:solidFill>
+                <a:srgbClr val="D4D4D4"/>
+              </a:solidFill>
+              <a:latin typeface="Consolas" panose="020B0609020204030204" pitchFamily="49" charset="0"/>
+            </a:endParaRPr>
+          </a:p>
+          <a:p>
+            <a:pPr marL="400050" lvl="1" indent="0" defTabSz="914400" eaLnBrk="0" fontAlgn="base" hangingPunct="0">
+              <a:spcBef>
+                <a:spcPct val="0"/>
+              </a:spcBef>
+              <a:spcAft>
+                <a:spcPct val="0"/>
+              </a:spcAft>
+              <a:buClrTx/>
+              <a:buSzTx/>
+              <a:buNone/>
+            </a:pPr>
+            <a:endParaRPr lang="en-US" sz="2800" b="0" dirty="0">
+              <a:solidFill>
+                <a:srgbClr val="D4D4D4"/>
+              </a:solidFill>
+              <a:effectLst/>
+              <a:latin typeface="Consolas" panose="020B0609020204030204" pitchFamily="49" charset="0"/>
+            </a:endParaRPr>
+          </a:p>
+          <a:p>
+            <a:pPr marL="400050" lvl="1" indent="0" defTabSz="914400" eaLnBrk="0" fontAlgn="base" hangingPunct="0">
+              <a:spcBef>
+                <a:spcPct val="0"/>
+              </a:spcBef>
+              <a:spcAft>
+                <a:spcPct val="0"/>
+              </a:spcAft>
+              <a:buClrTx/>
+              <a:buSzTx/>
+              <a:buNone/>
+            </a:pPr>
+            <a:endParaRPr lang="en-US" sz="2800" b="0" dirty="0">
+              <a:solidFill>
+                <a:srgbClr val="D4D4D4"/>
+              </a:solidFill>
+              <a:effectLst/>
+              <a:latin typeface="Consolas" panose="020B0609020204030204" pitchFamily="49" charset="0"/>
+            </a:endParaRPr>
+          </a:p>
+        </p:txBody>
+      </p:sp>
+    </p:spTree>
+    <p:extLst>
+      <p:ext uri="{BB962C8B-B14F-4D97-AF65-F5344CB8AC3E}">
+        <p14:creationId xmlns:p14="http://schemas.microsoft.com/office/powerpoint/2010/main" val="3502024604"/>
+      </p:ext>
+    </p:extLst>
+  </p:cSld>
+  <p:clrMapOvr>
+    <a:masterClrMapping/>
+  </p:clrMapOvr>
+</p:sld>
+</file>
+
+<file path=ppt/slides/slide8.xml><?xml version="1.0" encoding="utf-8"?>
+<p:sld xmlns:a="http://schemas.openxmlformats.org/drawingml/2006/main" xmlns:r="http://schemas.openxmlformats.org/officeDocument/2006/relationships" xmlns:p="http://schemas.openxmlformats.org/presentationml/2006/main">
+  <p:cSld>
+    <p:spTree>
+      <p:nvGrpSpPr>
+        <p:cNvPr id="1" name=""/>
+        <p:cNvGrpSpPr/>
+        <p:nvPr/>
+      </p:nvGrpSpPr>
+      <p:grpSpPr>
+        <a:xfrm>
+          <a:off x="0" y="0"/>
+          <a:ext cx="0" cy="0"/>
+          <a:chOff x="0" y="0"/>
+          <a:chExt cx="0" cy="0"/>
+        </a:xfrm>
+      </p:grpSpPr>
+      <p:sp>
+        <p:nvSpPr>
+          <p:cNvPr id="2" name="Title 1">
+            <a:extLst>
+              <a:ext uri="{FF2B5EF4-FFF2-40B4-BE49-F238E27FC236}">
+                <a16:creationId xmlns:a16="http://schemas.microsoft.com/office/drawing/2014/main" id="{F8ACD507-81DC-4F14-845F-A194AA09CE5F}"/>
+              </a:ext>
+            </a:extLst>
+          </p:cNvPr>
+          <p:cNvSpPr>
+            <a:spLocks noGrp="1"/>
+          </p:cNvSpPr>
+          <p:nvPr>
+            <p:ph type="title"/>
+          </p:nvPr>
+        </p:nvSpPr>
+        <p:spPr>
+          <a:xfrm>
+            <a:off x="1271694" y="3098800"/>
+            <a:ext cx="8596668" cy="660400"/>
+          </a:xfrm>
+        </p:spPr>
         <p:txBody>
           <a:bodyPr>
             <a:normAutofit/>
@@ -7758,12 +8596,80 @@
           <a:p>
             <a:pPr algn="ctr"/>
             <a:r>
-              <a:rPr lang="en-US" sz="4400" b="1" dirty="0">
+              <a:rPr lang="en-US" sz="3200" dirty="0">
                 <a:solidFill>
                   <a:schemeClr val="accent2"/>
                 </a:solidFill>
               </a:rPr>
-              <a:t>The End </a:t>
+              <a:t>Relation between programming and design</a:t>
+            </a:r>
+          </a:p>
+        </p:txBody>
+      </p:sp>
+    </p:spTree>
+    <p:extLst>
+      <p:ext uri="{BB962C8B-B14F-4D97-AF65-F5344CB8AC3E}">
+        <p14:creationId xmlns:p14="http://schemas.microsoft.com/office/powerpoint/2010/main" val="4096190788"/>
+      </p:ext>
+    </p:extLst>
+  </p:cSld>
+  <p:clrMapOvr>
+    <a:masterClrMapping/>
+  </p:clrMapOvr>
+</p:sld>
+</file>
+
+<file path=ppt/slides/slide9.xml><?xml version="1.0" encoding="utf-8"?>
+<p:sld xmlns:a="http://schemas.openxmlformats.org/drawingml/2006/main" xmlns:r="http://schemas.openxmlformats.org/officeDocument/2006/relationships" xmlns:p="http://schemas.openxmlformats.org/presentationml/2006/main">
+  <p:cSld>
+    <p:spTree>
+      <p:nvGrpSpPr>
+        <p:cNvPr id="1" name=""/>
+        <p:cNvGrpSpPr/>
+        <p:nvPr/>
+      </p:nvGrpSpPr>
+      <p:grpSpPr>
+        <a:xfrm>
+          <a:off x="0" y="0"/>
+          <a:ext cx="0" cy="0"/>
+          <a:chOff x="0" y="0"/>
+          <a:chExt cx="0" cy="0"/>
+        </a:xfrm>
+      </p:grpSpPr>
+      <p:sp>
+        <p:nvSpPr>
+          <p:cNvPr id="2" name="Title 1">
+            <a:extLst>
+              <a:ext uri="{FF2B5EF4-FFF2-40B4-BE49-F238E27FC236}">
+                <a16:creationId xmlns:a16="http://schemas.microsoft.com/office/drawing/2014/main" id="{61A39B72-AF8B-48BA-AE02-9BA77CDC487E}"/>
+              </a:ext>
+            </a:extLst>
+          </p:cNvPr>
+          <p:cNvSpPr>
+            <a:spLocks noGrp="1"/>
+          </p:cNvSpPr>
+          <p:nvPr>
+            <p:ph type="title"/>
+          </p:nvPr>
+        </p:nvSpPr>
+        <p:spPr>
+          <a:xfrm>
+            <a:off x="1797666" y="2758440"/>
+            <a:ext cx="8596668" cy="670560"/>
+          </a:xfrm>
+        </p:spPr>
+        <p:txBody>
+          <a:bodyPr/>
+          <a:lstStyle/>
+          <a:p>
+            <a:pPr algn="ctr"/>
+            <a:r>
+              <a:rPr lang="en-US" dirty="0">
+                <a:solidFill>
+                  <a:schemeClr val="accent2"/>
+                </a:solidFill>
+              </a:rPr>
+              <a:t>The Developers</a:t>
             </a:r>
           </a:p>
         </p:txBody>
@@ -7773,7 +8679,7 @@
           <p:cNvPr id="3" name="Content Placeholder 2">
             <a:extLst>
               <a:ext uri="{FF2B5EF4-FFF2-40B4-BE49-F238E27FC236}">
-                <a16:creationId xmlns:a16="http://schemas.microsoft.com/office/drawing/2014/main" id="{27522415-B75C-4D09-A9BC-6177D210280C}"/>
+                <a16:creationId xmlns:a16="http://schemas.microsoft.com/office/drawing/2014/main" id="{EEF5D13A-C591-410B-8B07-B919691C636C}"/>
               </a:ext>
             </a:extLst>
           </p:cNvPr>
@@ -7786,8 +8692,8 @@
         </p:nvSpPr>
         <p:spPr>
           <a:xfrm>
-            <a:off x="1028700" y="2160589"/>
-            <a:ext cx="8245302" cy="3880773"/>
+            <a:off x="3813579" y="3429000"/>
+            <a:ext cx="4564842" cy="670560"/>
           </a:xfrm>
         </p:spPr>
         <p:txBody>
@@ -7796,218 +8702,19 @@
           </a:bodyPr>
           <a:lstStyle/>
           <a:p>
-            <a:pPr marL="0" marR="0" indent="0" algn="r" rtl="1">
-              <a:lnSpc>
-                <a:spcPct val="107000"/>
-              </a:lnSpc>
-              <a:spcBef>
-                <a:spcPts val="0"/>
-              </a:spcBef>
-              <a:spcAft>
-                <a:spcPts val="800"/>
-              </a:spcAft>
-              <a:buNone/>
-            </a:pPr>
-            <a:r>
-              <a:rPr lang="ar-EG" sz="2800" dirty="0" err="1">
-                <a:effectLst/>
-                <a:latin typeface="Tahoma" panose="020B0604030504040204" pitchFamily="34" charset="0"/>
-                <a:ea typeface="Tahoma" panose="020B0604030504040204" pitchFamily="34" charset="0"/>
-                <a:cs typeface="Tahoma" panose="020B0604030504040204" pitchFamily="34" charset="0"/>
-              </a:rPr>
-              <a:t>وبكدا</a:t>
-            </a:r>
-            <a:r>
-              <a:rPr lang="ar-EG" sz="2800" dirty="0">
-                <a:effectLst/>
-                <a:latin typeface="Tahoma" panose="020B0604030504040204" pitchFamily="34" charset="0"/>
-                <a:ea typeface="Tahoma" panose="020B0604030504040204" pitchFamily="34" charset="0"/>
-                <a:cs typeface="Tahoma" panose="020B0604030504040204" pitchFamily="34" charset="0"/>
-              </a:rPr>
-              <a:t> نكون خلصنا ليلة المصمم والمطور و الفرونت والباك وكل حاجة </a:t>
-            </a:r>
-            <a:r>
-              <a:rPr lang="en-US" sz="2800" dirty="0">
-                <a:latin typeface="Tahoma" panose="020B0604030504040204" pitchFamily="34" charset="0"/>
-                <a:ea typeface="Tahoma" panose="020B0604030504040204" pitchFamily="34" charset="0"/>
-                <a:cs typeface="Tahoma" panose="020B0604030504040204" pitchFamily="34" charset="0"/>
-              </a:rPr>
-              <a:t>.</a:t>
-            </a:r>
-            <a:endParaRPr lang="en-US" sz="2800" dirty="0">
-              <a:effectLst/>
-              <a:latin typeface="Tahoma" panose="020B0604030504040204" pitchFamily="34" charset="0"/>
-              <a:ea typeface="Tahoma" panose="020B0604030504040204" pitchFamily="34" charset="0"/>
-              <a:cs typeface="Tahoma" panose="020B0604030504040204" pitchFamily="34" charset="0"/>
-            </a:endParaRPr>
-          </a:p>
-          <a:p>
-            <a:pPr marL="0" marR="0" indent="0" algn="r" rtl="1">
-              <a:lnSpc>
-                <a:spcPct val="107000"/>
-              </a:lnSpc>
-              <a:spcBef>
-                <a:spcPts val="0"/>
-              </a:spcBef>
-              <a:spcAft>
-                <a:spcPts val="800"/>
-              </a:spcAft>
-              <a:buNone/>
-            </a:pPr>
-            <a:endParaRPr lang="en-US" sz="2800" dirty="0">
-              <a:effectLst/>
-              <a:latin typeface="Tahoma" panose="020B0604030504040204" pitchFamily="34" charset="0"/>
-              <a:ea typeface="Tahoma" panose="020B0604030504040204" pitchFamily="34" charset="0"/>
-              <a:cs typeface="Tahoma" panose="020B0604030504040204" pitchFamily="34" charset="0"/>
-            </a:endParaRPr>
-          </a:p>
-          <a:p>
-            <a:pPr marL="0" marR="0" indent="0" algn="r" rtl="1">
-              <a:lnSpc>
-                <a:spcPct val="107000"/>
-              </a:lnSpc>
-              <a:spcBef>
-                <a:spcPts val="0"/>
-              </a:spcBef>
-              <a:spcAft>
-                <a:spcPts val="800"/>
-              </a:spcAft>
-              <a:buNone/>
-            </a:pPr>
-            <a:r>
-              <a:rPr lang="ar-EG" sz="2800" dirty="0" err="1">
-                <a:effectLst/>
-                <a:latin typeface="Tahoma" panose="020B0604030504040204" pitchFamily="34" charset="0"/>
-                <a:ea typeface="Tahoma" panose="020B0604030504040204" pitchFamily="34" charset="0"/>
-                <a:cs typeface="Tahoma" panose="020B0604030504040204" pitchFamily="34" charset="0"/>
-              </a:rPr>
-              <a:t>هنتعلم</a:t>
-            </a:r>
-            <a:r>
-              <a:rPr lang="ar-EG" sz="2800" dirty="0">
-                <a:effectLst/>
-                <a:latin typeface="Tahoma" panose="020B0604030504040204" pitchFamily="34" charset="0"/>
-                <a:ea typeface="Tahoma" panose="020B0604030504040204" pitchFamily="34" charset="0"/>
-                <a:cs typeface="Tahoma" panose="020B0604030504040204" pitchFamily="34" charset="0"/>
-              </a:rPr>
-              <a:t> سوا </a:t>
-            </a:r>
-            <a:r>
-              <a:rPr lang="ar-EG" sz="2800" dirty="0" err="1">
-                <a:effectLst/>
-                <a:latin typeface="Tahoma" panose="020B0604030504040204" pitchFamily="34" charset="0"/>
-                <a:ea typeface="Tahoma" panose="020B0604030504040204" pitchFamily="34" charset="0"/>
-                <a:cs typeface="Tahoma" panose="020B0604030504040204" pitchFamily="34" charset="0"/>
-              </a:rPr>
-              <a:t>معايا</a:t>
-            </a:r>
-            <a:r>
-              <a:rPr lang="ar-EG" sz="2800" dirty="0">
-                <a:effectLst/>
-                <a:latin typeface="Tahoma" panose="020B0604030504040204" pitchFamily="34" charset="0"/>
-                <a:ea typeface="Tahoma" panose="020B0604030504040204" pitchFamily="34" charset="0"/>
-                <a:cs typeface="Tahoma" panose="020B0604030504040204" pitchFamily="34" charset="0"/>
-              </a:rPr>
-              <a:t> ان شاء الله </a:t>
-            </a:r>
-            <a:r>
-              <a:rPr lang="en-US" sz="2800" dirty="0">
-                <a:effectLst/>
-                <a:latin typeface="Tahoma" panose="020B0604030504040204" pitchFamily="34" charset="0"/>
-                <a:ea typeface="Tahoma" panose="020B0604030504040204" pitchFamily="34" charset="0"/>
-                <a:cs typeface="Tahoma" panose="020B0604030504040204" pitchFamily="34" charset="0"/>
-              </a:rPr>
-              <a:t>html , </a:t>
-            </a:r>
-            <a:r>
-              <a:rPr lang="en-US" sz="2800" dirty="0" err="1">
-                <a:effectLst/>
-                <a:latin typeface="Tahoma" panose="020B0604030504040204" pitchFamily="34" charset="0"/>
-                <a:ea typeface="Tahoma" panose="020B0604030504040204" pitchFamily="34" charset="0"/>
-                <a:cs typeface="Tahoma" panose="020B0604030504040204" pitchFamily="34" charset="0"/>
-              </a:rPr>
-              <a:t>css</a:t>
-            </a:r>
-            <a:r>
-              <a:rPr lang="en-US" sz="2800" dirty="0">
-                <a:effectLst/>
-                <a:latin typeface="Tahoma" panose="020B0604030504040204" pitchFamily="34" charset="0"/>
-                <a:ea typeface="Tahoma" panose="020B0604030504040204" pitchFamily="34" charset="0"/>
-                <a:cs typeface="Tahoma" panose="020B0604030504040204" pitchFamily="34" charset="0"/>
-              </a:rPr>
-              <a:t> , </a:t>
-            </a:r>
-            <a:r>
-              <a:rPr lang="en-US" sz="2800" dirty="0" err="1">
-                <a:effectLst/>
-                <a:latin typeface="Tahoma" panose="020B0604030504040204" pitchFamily="34" charset="0"/>
-                <a:ea typeface="Tahoma" panose="020B0604030504040204" pitchFamily="34" charset="0"/>
-                <a:cs typeface="Tahoma" panose="020B0604030504040204" pitchFamily="34" charset="0"/>
-              </a:rPr>
-              <a:t>javaScript</a:t>
-            </a:r>
-            <a:r>
-              <a:rPr lang="en-US" sz="2800" dirty="0">
-                <a:effectLst/>
-                <a:latin typeface="Tahoma" panose="020B0604030504040204" pitchFamily="34" charset="0"/>
-                <a:ea typeface="Tahoma" panose="020B0604030504040204" pitchFamily="34" charset="0"/>
-                <a:cs typeface="Tahoma" panose="020B0604030504040204" pitchFamily="34" charset="0"/>
-              </a:rPr>
-              <a:t> </a:t>
-            </a:r>
-            <a:r>
-              <a:rPr lang="ar-EG" sz="2800" dirty="0">
-                <a:effectLst/>
-                <a:latin typeface="Tahoma" panose="020B0604030504040204" pitchFamily="34" charset="0"/>
-                <a:ea typeface="Tahoma" panose="020B0604030504040204" pitchFamily="34" charset="0"/>
-                <a:cs typeface="Tahoma" panose="020B0604030504040204" pitchFamily="34" charset="0"/>
-              </a:rPr>
-              <a:t> ك بداية ل مسار المطورين عامة سواء </a:t>
-            </a:r>
-            <a:r>
-              <a:rPr lang="en-US" sz="2800" dirty="0">
-                <a:effectLst/>
-                <a:latin typeface="Tahoma" panose="020B0604030504040204" pitchFamily="34" charset="0"/>
-                <a:ea typeface="Tahoma" panose="020B0604030504040204" pitchFamily="34" charset="0"/>
-                <a:cs typeface="Tahoma" panose="020B0604030504040204" pitchFamily="34" charset="0"/>
-              </a:rPr>
-              <a:t>front</a:t>
-            </a:r>
-            <a:r>
-              <a:rPr lang="ar-EG" sz="2800" dirty="0">
-                <a:effectLst/>
-                <a:latin typeface="Tahoma" panose="020B0604030504040204" pitchFamily="34" charset="0"/>
-                <a:ea typeface="Tahoma" panose="020B0604030504040204" pitchFamily="34" charset="0"/>
-                <a:cs typeface="Tahoma" panose="020B0604030504040204" pitchFamily="34" charset="0"/>
-              </a:rPr>
-              <a:t> او </a:t>
-            </a:r>
-            <a:r>
-              <a:rPr lang="en-US" sz="2800" dirty="0">
-                <a:effectLst/>
-                <a:latin typeface="Tahoma" panose="020B0604030504040204" pitchFamily="34" charset="0"/>
-                <a:ea typeface="Tahoma" panose="020B0604030504040204" pitchFamily="34" charset="0"/>
-                <a:cs typeface="Tahoma" panose="020B0604030504040204" pitchFamily="34" charset="0"/>
-              </a:rPr>
-              <a:t>back</a:t>
-            </a:r>
-          </a:p>
-          <a:p>
-            <a:pPr marL="0" indent="0" algn="r" rtl="1">
-              <a:buNone/>
-            </a:pPr>
-            <a:endParaRPr lang="en-US" sz="2800" dirty="0">
-              <a:latin typeface="Tahoma" panose="020B0604030504040204" pitchFamily="34" charset="0"/>
-              <a:ea typeface="Tahoma" panose="020B0604030504040204" pitchFamily="34" charset="0"/>
-              <a:cs typeface="Tahoma" panose="020B0604030504040204" pitchFamily="34" charset="0"/>
-            </a:endParaRPr>
+            <a:pPr algn="r" rtl="1"/>
+            <a:r>
+              <a:rPr lang="ar-EG" sz="2800" b="1" dirty="0"/>
+              <a:t>مين هم و بيعملو ايه ؟؟</a:t>
+            </a:r>
+            <a:endParaRPr lang="en-US" sz="2800" b="1" dirty="0"/>
           </a:p>
         </p:txBody>
       </p:sp>
     </p:spTree>
     <p:extLst>
       <p:ext uri="{BB962C8B-B14F-4D97-AF65-F5344CB8AC3E}">
-        <p14:creationId xmlns:p14="http://schemas.microsoft.com/office/powerpoint/2010/main" val="3069750247"/>
+        <p14:creationId xmlns:p14="http://schemas.microsoft.com/office/powerpoint/2010/main" val="3968039471"/>
       </p:ext>
     </p:extLst>
   </p:cSld>

--- a/event_update.pptx
+++ b/event_update.pptx
@@ -18,8 +18,9 @@
     <p:sldId id="279" r:id="rId12"/>
     <p:sldId id="278" r:id="rId13"/>
     <p:sldId id="276" r:id="rId14"/>
-    <p:sldId id="269" r:id="rId15"/>
-    <p:sldId id="281" r:id="rId16"/>
+    <p:sldId id="283" r:id="rId15"/>
+    <p:sldId id="269" r:id="rId16"/>
+    <p:sldId id="281" r:id="rId17"/>
   </p:sldIdLst>
   <p:sldSz cx="12192000" cy="6858000"/>
   <p:notesSz cx="6858000" cy="9144000"/>
@@ -871,7 +872,7 @@
           <a:p>
             <a:fld id="{977B303B-CDDA-4E6F-A87F-4F7855D47123}" type="datetimeFigureOut">
               <a:rPr lang="en-US" smtClean="0"/>
-              <a:t>11/21/2020</a:t>
+              <a:t>11/23/2020</a:t>
             </a:fld>
             <a:endParaRPr lang="en-US"/>
           </a:p>
@@ -1122,7 +1123,7 @@
           <a:p>
             <a:fld id="{977B303B-CDDA-4E6F-A87F-4F7855D47123}" type="datetimeFigureOut">
               <a:rPr lang="en-US" smtClean="0"/>
-              <a:t>11/21/2020</a:t>
+              <a:t>11/23/2020</a:t>
             </a:fld>
             <a:endParaRPr lang="en-US"/>
           </a:p>
@@ -1436,7 +1437,7 @@
           <a:p>
             <a:fld id="{977B303B-CDDA-4E6F-A87F-4F7855D47123}" type="datetimeFigureOut">
               <a:rPr lang="en-US" smtClean="0"/>
-              <a:t>11/21/2020</a:t>
+              <a:t>11/23/2020</a:t>
             </a:fld>
             <a:endParaRPr lang="en-US"/>
           </a:p>
@@ -1769,7 +1770,7 @@
           <a:p>
             <a:fld id="{977B303B-CDDA-4E6F-A87F-4F7855D47123}" type="datetimeFigureOut">
               <a:rPr lang="en-US" smtClean="0"/>
-              <a:t>11/21/2020</a:t>
+              <a:t>11/23/2020</a:t>
             </a:fld>
             <a:endParaRPr lang="en-US"/>
           </a:p>
@@ -2083,7 +2084,7 @@
           <a:p>
             <a:fld id="{977B303B-CDDA-4E6F-A87F-4F7855D47123}" type="datetimeFigureOut">
               <a:rPr lang="en-US" smtClean="0"/>
-              <a:t>11/21/2020</a:t>
+              <a:t>11/23/2020</a:t>
             </a:fld>
             <a:endParaRPr lang="en-US"/>
           </a:p>
@@ -2476,7 +2477,7 @@
           <a:p>
             <a:fld id="{977B303B-CDDA-4E6F-A87F-4F7855D47123}" type="datetimeFigureOut">
               <a:rPr lang="en-US" smtClean="0"/>
-              <a:t>11/21/2020</a:t>
+              <a:t>11/23/2020</a:t>
             </a:fld>
             <a:endParaRPr lang="en-US"/>
           </a:p>
@@ -2646,7 +2647,7 @@
           <a:p>
             <a:fld id="{977B303B-CDDA-4E6F-A87F-4F7855D47123}" type="datetimeFigureOut">
               <a:rPr lang="en-US" smtClean="0"/>
-              <a:t>11/21/2020</a:t>
+              <a:t>11/23/2020</a:t>
             </a:fld>
             <a:endParaRPr lang="en-US"/>
           </a:p>
@@ -2826,7 +2827,7 @@
           <a:p>
             <a:fld id="{977B303B-CDDA-4E6F-A87F-4F7855D47123}" type="datetimeFigureOut">
               <a:rPr lang="en-US" smtClean="0"/>
-              <a:t>11/21/2020</a:t>
+              <a:t>11/23/2020</a:t>
             </a:fld>
             <a:endParaRPr lang="en-US"/>
           </a:p>
@@ -2996,7 +2997,7 @@
           <a:p>
             <a:fld id="{977B303B-CDDA-4E6F-A87F-4F7855D47123}" type="datetimeFigureOut">
               <a:rPr lang="en-US" smtClean="0"/>
-              <a:t>11/21/2020</a:t>
+              <a:t>11/23/2020</a:t>
             </a:fld>
             <a:endParaRPr lang="en-US"/>
           </a:p>
@@ -3243,7 +3244,7 @@
           <a:p>
             <a:fld id="{977B303B-CDDA-4E6F-A87F-4F7855D47123}" type="datetimeFigureOut">
               <a:rPr lang="en-US" smtClean="0"/>
-              <a:t>11/21/2020</a:t>
+              <a:t>11/23/2020</a:t>
             </a:fld>
             <a:endParaRPr lang="en-US"/>
           </a:p>
@@ -3475,7 +3476,7 @@
           <a:p>
             <a:fld id="{977B303B-CDDA-4E6F-A87F-4F7855D47123}" type="datetimeFigureOut">
               <a:rPr lang="en-US" smtClean="0"/>
-              <a:t>11/21/2020</a:t>
+              <a:t>11/23/2020</a:t>
             </a:fld>
             <a:endParaRPr lang="en-US"/>
           </a:p>
@@ -3849,7 +3850,7 @@
           <a:p>
             <a:fld id="{977B303B-CDDA-4E6F-A87F-4F7855D47123}" type="datetimeFigureOut">
               <a:rPr lang="en-US" smtClean="0"/>
-              <a:t>11/21/2020</a:t>
+              <a:t>11/23/2020</a:t>
             </a:fld>
             <a:endParaRPr lang="en-US"/>
           </a:p>
@@ -3972,7 +3973,7 @@
           <a:p>
             <a:fld id="{977B303B-CDDA-4E6F-A87F-4F7855D47123}" type="datetimeFigureOut">
               <a:rPr lang="en-US" smtClean="0"/>
-              <a:t>11/21/2020</a:t>
+              <a:t>11/23/2020</a:t>
             </a:fld>
             <a:endParaRPr lang="en-US"/>
           </a:p>
@@ -4067,7 +4068,7 @@
           <a:p>
             <a:fld id="{977B303B-CDDA-4E6F-A87F-4F7855D47123}" type="datetimeFigureOut">
               <a:rPr lang="en-US" smtClean="0"/>
-              <a:t>11/21/2020</a:t>
+              <a:t>11/23/2020</a:t>
             </a:fld>
             <a:endParaRPr lang="en-US"/>
           </a:p>
@@ -4322,7 +4323,7 @@
           <a:p>
             <a:fld id="{977B303B-CDDA-4E6F-A87F-4F7855D47123}" type="datetimeFigureOut">
               <a:rPr lang="en-US" smtClean="0"/>
-              <a:t>11/21/2020</a:t>
+              <a:t>11/23/2020</a:t>
             </a:fld>
             <a:endParaRPr lang="en-US"/>
           </a:p>
@@ -4627,7 +4628,7 @@
           <a:p>
             <a:fld id="{977B303B-CDDA-4E6F-A87F-4F7855D47123}" type="datetimeFigureOut">
               <a:rPr lang="en-US" smtClean="0"/>
-              <a:t>11/21/2020</a:t>
+              <a:t>11/23/2020</a:t>
             </a:fld>
             <a:endParaRPr lang="en-US"/>
           </a:p>
@@ -5329,7 +5330,7 @@
           <a:p>
             <a:fld id="{977B303B-CDDA-4E6F-A87F-4F7855D47123}" type="datetimeFigureOut">
               <a:rPr lang="en-US" smtClean="0"/>
-              <a:t>11/21/2020</a:t>
+              <a:t>11/23/2020</a:t>
             </a:fld>
             <a:endParaRPr lang="en-US"/>
           </a:p>
@@ -6301,6 +6302,83 @@
           <a:chExt cx="0" cy="0"/>
         </a:xfrm>
       </p:grpSpPr>
+      <p:pic>
+        <p:nvPicPr>
+          <p:cNvPr id="1028" name="Picture 4" descr="How UI/UX Design Can Make Or Break Your Application - Technology Rivers">
+            <a:extLst>
+              <a:ext uri="{FF2B5EF4-FFF2-40B4-BE49-F238E27FC236}">
+                <a16:creationId xmlns:a16="http://schemas.microsoft.com/office/drawing/2014/main" id="{961EE921-ED6C-4EBA-9AB9-DE5707AD7866}"/>
+              </a:ext>
+            </a:extLst>
+          </p:cNvPr>
+          <p:cNvPicPr>
+            <a:picLocks noChangeAspect="1" noChangeArrowheads="1"/>
+          </p:cNvPicPr>
+          <p:nvPr/>
+        </p:nvPicPr>
+        <p:blipFill>
+          <a:blip r:embed="rId2">
+            <a:extLst>
+              <a:ext uri="{28A0092B-C50C-407E-A947-70E740481C1C}">
+                <a14:useLocalDpi xmlns:a14="http://schemas.microsoft.com/office/drawing/2010/main" val="0"/>
+              </a:ext>
+            </a:extLst>
+          </a:blip>
+          <a:srcRect/>
+          <a:stretch>
+            <a:fillRect/>
+          </a:stretch>
+        </p:blipFill>
+        <p:spPr bwMode="auto">
+          <a:xfrm>
+            <a:off x="0" y="0"/>
+            <a:ext cx="12196488" cy="6858000"/>
+          </a:xfrm>
+          <a:prstGeom prst="rect">
+            <a:avLst/>
+          </a:prstGeom>
+          <a:noFill/>
+          <a:extLst>
+            <a:ext uri="{909E8E84-426E-40DD-AFC4-6F175D3DCCD1}">
+              <a14:hiddenFill xmlns:a14="http://schemas.microsoft.com/office/drawing/2010/main">
+                <a:solidFill>
+                  <a:srgbClr val="FFFFFF"/>
+                </a:solidFill>
+              </a14:hiddenFill>
+            </a:ext>
+          </a:extLst>
+        </p:spPr>
+      </p:pic>
+    </p:spTree>
+    <p:extLst>
+      <p:ext uri="{BB962C8B-B14F-4D97-AF65-F5344CB8AC3E}">
+        <p14:creationId xmlns:p14="http://schemas.microsoft.com/office/powerpoint/2010/main" val="290289898"/>
+      </p:ext>
+    </p:extLst>
+  </p:cSld>
+  <p:clrMapOvr>
+    <a:masterClrMapping/>
+  </p:clrMapOvr>
+</p:sld>
+</file>
+
+<file path=ppt/slides/slide15.xml><?xml version="1.0" encoding="utf-8"?>
+<p:sld xmlns:a="http://schemas.openxmlformats.org/drawingml/2006/main" xmlns:r="http://schemas.openxmlformats.org/officeDocument/2006/relationships" xmlns:p="http://schemas.openxmlformats.org/presentationml/2006/main">
+  <p:cSld>
+    <p:spTree>
+      <p:nvGrpSpPr>
+        <p:cNvPr id="1" name=""/>
+        <p:cNvGrpSpPr/>
+        <p:nvPr/>
+      </p:nvGrpSpPr>
+      <p:grpSpPr>
+        <a:xfrm>
+          <a:off x="0" y="0"/>
+          <a:ext cx="0" cy="0"/>
+          <a:chOff x="0" y="0"/>
+          <a:chExt cx="0" cy="0"/>
+        </a:xfrm>
+      </p:grpSpPr>
       <p:sp>
         <p:nvSpPr>
           <p:cNvPr id="2" name="Title 1">
@@ -6642,7 +6720,7 @@
 </p:sld>
 </file>
 
-<file path=ppt/slides/slide15.xml><?xml version="1.0" encoding="utf-8"?>
+<file path=ppt/slides/slide16.xml><?xml version="1.0" encoding="utf-8"?>
 <p:sld xmlns:a="http://schemas.openxmlformats.org/drawingml/2006/main" xmlns:r="http://schemas.openxmlformats.org/officeDocument/2006/relationships" xmlns:p="http://schemas.openxmlformats.org/presentationml/2006/main">
   <p:cSld>
     <p:spTree>
@@ -6927,32 +7005,49 @@
       </p:grpSpPr>
       <p:pic>
         <p:nvPicPr>
-          <p:cNvPr id="5" name="Picture 4">
+          <p:cNvPr id="2050" name="Picture 2" descr="Pin on Inspirational Quotes">
             <a:extLst>
               <a:ext uri="{FF2B5EF4-FFF2-40B4-BE49-F238E27FC236}">
-                <a16:creationId xmlns:a16="http://schemas.microsoft.com/office/drawing/2014/main" id="{6DFEA624-1835-4925-9F0D-51EF4043CCCE}"/>
+                <a16:creationId xmlns:a16="http://schemas.microsoft.com/office/drawing/2014/main" id="{1BCF02A4-33D3-4D69-ACD1-ECB3106ADBDD}"/>
               </a:ext>
             </a:extLst>
           </p:cNvPr>
           <p:cNvPicPr>
-            <a:picLocks noChangeAspect="1"/>
+            <a:picLocks noChangeAspect="1" noChangeArrowheads="1"/>
           </p:cNvPicPr>
           <p:nvPr/>
         </p:nvPicPr>
         <p:blipFill>
-          <a:blip r:embed="rId2"/>
+          <a:blip r:embed="rId2">
+            <a:extLst>
+              <a:ext uri="{28A0092B-C50C-407E-A947-70E740481C1C}">
+                <a14:useLocalDpi xmlns:a14="http://schemas.microsoft.com/office/drawing/2010/main" val="0"/>
+              </a:ext>
+            </a:extLst>
+          </a:blip>
+          <a:srcRect/>
           <a:stretch>
             <a:fillRect/>
           </a:stretch>
         </p:blipFill>
-        <p:spPr>
+        <p:spPr bwMode="auto">
           <a:xfrm>
-            <a:off x="3467100" y="590550"/>
-            <a:ext cx="5257800" cy="5676900"/>
+            <a:off x="3409950" y="742950"/>
+            <a:ext cx="5372100" cy="5372100"/>
           </a:xfrm>
           <a:prstGeom prst="rect">
             <a:avLst/>
           </a:prstGeom>
+          <a:noFill/>
+          <a:extLst>
+            <a:ext uri="{909E8E84-426E-40DD-AFC4-6F175D3DCCD1}">
+              <a14:hiddenFill xmlns:a14="http://schemas.microsoft.com/office/drawing/2010/main">
+                <a:solidFill>
+                  <a:srgbClr val="FFFFFF"/>
+                </a:solidFill>
+              </a14:hiddenFill>
+            </a:ext>
+          </a:extLst>
         </p:spPr>
       </p:pic>
     </p:spTree>
